--- a/docs/documentation.pptx
+++ b/docs/documentation.pptx
@@ -105,6 +105,1339 @@
     </a:lvl9pPr>
   </p:defaultTextStyle>
 </p:presentation>
+</file>
+
+<file path=ppt/charts/chart1.xml><?xml version="1.0" encoding="utf-8"?>
+<c:chartSpace xmlns:c="http://schemas.openxmlformats.org/drawingml/2006/chart" xmlns:a="http://schemas.openxmlformats.org/drawingml/2006/main" xmlns:r="http://schemas.openxmlformats.org/officeDocument/2006/relationships" xmlns:c16r2="http://schemas.microsoft.com/office/drawing/2015/06/chart">
+  <c:date1904 val="0"/>
+  <c:lang val="de-DE"/>
+  <c:roundedCorners val="0"/>
+  <mc:AlternateContent xmlns:mc="http://schemas.openxmlformats.org/markup-compatibility/2006">
+    <mc:Choice xmlns:c14="http://schemas.microsoft.com/office/drawing/2007/8/2/chart" Requires="c14">
+      <c14:style val="102"/>
+    </mc:Choice>
+    <mc:Fallback>
+      <c:style val="2"/>
+    </mc:Fallback>
+  </mc:AlternateContent>
+  <c:chart>
+    <c:autoTitleDeleted val="1"/>
+    <c:plotArea>
+      <c:layout/>
+      <c:lineChart>
+        <c:grouping val="standard"/>
+        <c:varyColors val="0"/>
+        <c:ser>
+          <c:idx val="1"/>
+          <c:order val="0"/>
+          <c:spPr>
+            <a:ln w="28575" cap="rnd">
+              <a:solidFill>
+                <a:schemeClr val="accent2"/>
+              </a:solidFill>
+              <a:round/>
+            </a:ln>
+            <a:effectLst/>
+          </c:spPr>
+          <c:marker>
+            <c:symbol val="none"/>
+          </c:marker>
+          <c:val>
+            <c:numRef>
+              <c:f>Tabelle1!$A$9:$GS$9</c:f>
+              <c:numCache>
+                <c:formatCode>General</c:formatCode>
+                <c:ptCount val="201"/>
+                <c:pt idx="0">
+                  <c:v>89.991828383633575</c:v>
+                </c:pt>
+                <c:pt idx="1">
+                  <c:v>89.990969010356906</c:v>
+                </c:pt>
+                <c:pt idx="2">
+                  <c:v>89.99001926554989</c:v>
+                </c:pt>
+                <c:pt idx="3">
+                  <c:v>89.988969646868995</c:v>
+                </c:pt>
+                <c:pt idx="4">
+                  <c:v>89.987809653068467</c:v>
+                </c:pt>
+                <c:pt idx="5">
+                  <c:v>89.986527679048109</c:v>
+                </c:pt>
+                <c:pt idx="6">
+                  <c:v>89.98511089988672</c:v>
+                </c:pt>
+                <c:pt idx="7">
+                  <c:v>89.983545142706603</c:v>
+                </c:pt>
+                <c:pt idx="8">
+                  <c:v>89.981814745096599</c:v>
+                </c:pt>
+                <c:pt idx="9">
+                  <c:v>89.979902398686676</c:v>
+                </c:pt>
+                <c:pt idx="10">
+                  <c:v>89.977788976322458</c:v>
+                </c:pt>
+                <c:pt idx="11">
+                  <c:v>89.975453341125672</c:v>
+                </c:pt>
+                <c:pt idx="12">
+                  <c:v>89.972872135549252</c:v>
+                </c:pt>
+                <c:pt idx="13">
+                  <c:v>89.97001954834009</c:v>
+                </c:pt>
+                <c:pt idx="14">
+                  <c:v>89.966867057106583</c:v>
+                </c:pt>
+                <c:pt idx="15">
+                  <c:v>89.963383143950068</c:v>
+                </c:pt>
+                <c:pt idx="16">
+                  <c:v>89.959532981357995</c:v>
+                </c:pt>
+                <c:pt idx="17">
+                  <c:v>89.955278085268901</c:v>
+                </c:pt>
+                <c:pt idx="18">
+                  <c:v>89.950575931901739</c:v>
+                </c:pt>
+                <c:pt idx="19">
+                  <c:v>89.945379534594807</c:v>
+                </c:pt>
+                <c:pt idx="20">
+                  <c:v>89.939636976516056</c:v>
+                </c:pt>
+                <c:pt idx="21">
+                  <c:v>89.933290894687232</c:v>
+                </c:pt>
+                <c:pt idx="22">
+                  <c:v>89.926277910302503</c:v>
+                </c:pt>
+                <c:pt idx="23">
+                  <c:v>89.918527999816718</c:v>
+                </c:pt>
+                <c:pt idx="24">
+                  <c:v>89.909963800725691</c:v>
+                </c:pt>
+                <c:pt idx="25">
+                  <c:v>89.90049984535375</c:v>
+                </c:pt>
+                <c:pt idx="26">
+                  <c:v>89.890041715301805</c:v>
+                </c:pt>
+                <c:pt idx="27">
+                  <c:v>89.878485108486103</c:v>
+                </c:pt>
+                <c:pt idx="28">
+                  <c:v>89.865714809909392</c:v>
+                </c:pt>
+                <c:pt idx="29">
+                  <c:v>89.851603556448296</c:v>
+                </c:pt>
+                <c:pt idx="30">
+                  <c:v>89.836010785007886</c:v>
+                </c:pt>
+                <c:pt idx="31">
+                  <c:v>89.818781252384596</c:v>
+                </c:pt>
+                <c:pt idx="32">
+                  <c:v>89.799743514085165</c:v>
+                </c:pt>
+                <c:pt idx="33">
+                  <c:v>89.778708248170076</c:v>
+                </c:pt>
+                <c:pt idx="34">
+                  <c:v>89.7554664089228</c:v>
+                </c:pt>
+                <c:pt idx="35">
+                  <c:v>89.729787193787331</c:v>
+                </c:pt>
+                <c:pt idx="36">
+                  <c:v>89.701415805568601</c:v>
+                </c:pt>
+                <c:pt idx="37">
+                  <c:v>89.670070990351292</c:v>
+                </c:pt>
+                <c:pt idx="38">
+                  <c:v>89.635442329971013</c:v>
+                </c:pt>
+                <c:pt idx="39">
+                  <c:v>89.597187266170252</c:v>
+                </c:pt>
+                <c:pt idx="40">
+                  <c:v>89.554927831805756</c:v>
+                </c:pt>
+                <c:pt idx="41">
+                  <c:v>89.508247062658029</c:v>
+                </c:pt>
+                <c:pt idx="42">
+                  <c:v>89.456685061552506</c:v>
+                </c:pt>
+                <c:pt idx="43">
+                  <c:v>89.399734684665603</c:v>
+                </c:pt>
+                <c:pt idx="44">
+                  <c:v>89.336836818101546</c:v>
+                </c:pt>
+                <c:pt idx="45">
+                  <c:v>89.267375211138713</c:v>
+                </c:pt>
+                <c:pt idx="46">
+                  <c:v>89.190670831030587</c:v>
+                </c:pt>
+                <c:pt idx="47">
+                  <c:v>89.105975702989738</c:v>
+                </c:pt>
+                <c:pt idx="48">
+                  <c:v>89.012466198098906</c:v>
+                </c:pt>
+                <c:pt idx="49">
+                  <c:v>88.90923573151484</c:v>
+                </c:pt>
+                <c:pt idx="50">
+                  <c:v>88.795286833628708</c:v>
+                </c:pt>
+                <c:pt idx="51">
+                  <c:v>88.669522558029257</c:v>
+                </c:pt>
+                <c:pt idx="52">
+                  <c:v>88.530737192431218</c:v>
+                </c:pt>
+                <c:pt idx="53">
+                  <c:v>88.377606242487374</c:v>
+                </c:pt>
+                <c:pt idx="54">
+                  <c:v>88.208675663957237</c:v>
+                </c:pt>
+                <c:pt idx="55">
+                  <c:v>88.022350326493225</c:v>
+                </c:pt>
+                <c:pt idx="56">
+                  <c:v>87.816881702830628</c:v>
+                </c:pt>
+                <c:pt idx="57">
+                  <c:v>87.590354791020317</c:v>
+                </c:pt>
+                <c:pt idx="58">
+                  <c:v>87.340674295210846</c:v>
+                </c:pt>
+                <c:pt idx="59">
+                  <c:v>87.065550113140603</c:v>
+                </c:pt>
+                <c:pt idx="60">
+                  <c:v>86.76248220682352</c:v>
+                </c:pt>
+                <c:pt idx="61">
+                  <c:v>86.42874496786601</c:v>
+                </c:pt>
+                <c:pt idx="62">
+                  <c:v>86.061371231496494</c:v>
+                </c:pt>
+                <c:pt idx="63">
+                  <c:v>85.657136144819503</c:v>
+                </c:pt>
+                <c:pt idx="64">
+                  <c:v>85.212541156164122</c:v>
+                </c:pt>
+                <c:pt idx="65">
+                  <c:v>84.723798464755859</c:v>
+                </c:pt>
+                <c:pt idx="66">
+                  <c:v>84.186816354278903</c:v>
+                </c:pt>
+                <c:pt idx="67">
+                  <c:v>83.597185930925448</c:v>
+                </c:pt>
+                <c:pt idx="68">
+                  <c:v>82.950169896582381</c:v>
+                </c:pt>
+                <c:pt idx="69">
+                  <c:v>82.240694110604451</c:v>
+                </c:pt>
+                <c:pt idx="70">
+                  <c:v>81.463342828037923</c:v>
+                </c:pt>
+                <c:pt idx="71">
+                  <c:v>80.612358645884754</c:v>
+                </c:pt>
+                <c:pt idx="72">
+                  <c:v>79.681648338203573</c:v>
+                </c:pt>
+                <c:pt idx="73">
+                  <c:v>78.664795909740576</c:v>
+                </c:pt>
+                <c:pt idx="74">
+                  <c:v>77.555084338197489</c:v>
+                </c:pt>
+                <c:pt idx="75">
+                  <c:v>76.345527596176055</c:v>
+                </c:pt>
+                <c:pt idx="76">
+                  <c:v>75.028914631093883</c:v>
+                </c:pt>
+                <c:pt idx="77">
+                  <c:v>73.597867017325783</c:v>
+                </c:pt>
+                <c:pt idx="78">
+                  <c:v>72.044911958456581</c:v>
+                </c:pt>
+                <c:pt idx="79">
+                  <c:v>70.362572184789556</c:v>
+                </c:pt>
+                <c:pt idx="80">
+                  <c:v>68.543474036018694</c:v>
+                </c:pt>
+                <c:pt idx="81">
+                  <c:v>66.580474614660218</c:v>
+                </c:pt>
+                <c:pt idx="82">
+                  <c:v>64.466808317912026</c:v>
+                </c:pt>
+                <c:pt idx="83">
+                  <c:v>62.196252284963585</c:v>
+                </c:pt>
+                <c:pt idx="84">
+                  <c:v>59.763309324106203</c:v>
+                </c:pt>
+                <c:pt idx="85">
+                  <c:v>57.163405714855656</c:v>
+                </c:pt>
+                <c:pt idx="86">
+                  <c:v>54.393099940544502</c:v>
+                </c:pt>
+                <c:pt idx="87">
+                  <c:v>51.450296947660313</c:v>
+                </c:pt>
+                <c:pt idx="88">
+                  <c:v>48.33446102982294</c:v>
+                </c:pt>
+                <c:pt idx="89">
+                  <c:v>45.046819007120902</c:v>
+                </c:pt>
+                <c:pt idx="90">
+                  <c:v>41.590544153400621</c:v>
+                </c:pt>
+                <c:pt idx="91">
+                  <c:v>37.970910472500442</c:v>
+                </c:pt>
+                <c:pt idx="92">
+                  <c:v>34.195406602969953</c:v>
+                </c:pt>
+                <c:pt idx="93">
+                  <c:v>30.273798990269608</c:v>
+                </c:pt>
+                <c:pt idx="94">
+                  <c:v>26.21813512064287</c:v>
+                </c:pt>
+                <c:pt idx="95">
+                  <c:v>22.042679616333487</c:v>
+                </c:pt>
+                <c:pt idx="96">
+                  <c:v>17.763778820241022</c:v>
+                </c:pt>
+                <c:pt idx="97">
+                  <c:v>13.399653026098285</c:v>
+                </c:pt>
+                <c:pt idx="98">
+                  <c:v>8.9701195162456919</c:v>
+                </c:pt>
+                <c:pt idx="99">
+                  <c:v>4.496253746208863</c:v>
+                </c:pt>
+                <c:pt idx="100">
+                  <c:v>-3.397282455352979E-13</c:v>
+                </c:pt>
+                <c:pt idx="101">
+                  <c:v>-4.496253746209522</c:v>
+                </c:pt>
+                <c:pt idx="102">
+                  <c:v>-8.9701195162463616</c:v>
+                </c:pt>
+                <c:pt idx="103">
+                  <c:v>-13.399653026098955</c:v>
+                </c:pt>
+                <c:pt idx="104">
+                  <c:v>-17.763778820241701</c:v>
+                </c:pt>
+                <c:pt idx="105">
+                  <c:v>-22.042679616334148</c:v>
+                </c:pt>
+                <c:pt idx="106">
+                  <c:v>-26.218135120643492</c:v>
+                </c:pt>
+                <c:pt idx="107">
+                  <c:v>-30.273798990270198</c:v>
+                </c:pt>
+                <c:pt idx="108">
+                  <c:v>-34.195406602970529</c:v>
+                </c:pt>
+                <c:pt idx="109">
+                  <c:v>-37.970910472500989</c:v>
+                </c:pt>
+                <c:pt idx="110">
+                  <c:v>-41.59054415340114</c:v>
+                </c:pt>
+                <c:pt idx="111">
+                  <c:v>-45.046819007121421</c:v>
+                </c:pt>
+                <c:pt idx="112">
+                  <c:v>-48.334461029823416</c:v>
+                </c:pt>
+                <c:pt idx="113">
+                  <c:v>-51.450296947660767</c:v>
+                </c:pt>
+                <c:pt idx="114">
+                  <c:v>-54.393099940544921</c:v>
+                </c:pt>
+                <c:pt idx="115">
+                  <c:v>-57.163405714856054</c:v>
+                </c:pt>
+                <c:pt idx="116">
+                  <c:v>-59.763309324106601</c:v>
+                </c:pt>
+                <c:pt idx="117">
+                  <c:v>-62.196252284963933</c:v>
+                </c:pt>
+                <c:pt idx="118">
+                  <c:v>-64.466808317912367</c:v>
+                </c:pt>
+                <c:pt idx="119">
+                  <c:v>-66.580474614660545</c:v>
+                </c:pt>
+                <c:pt idx="120">
+                  <c:v>-68.543474036018992</c:v>
+                </c:pt>
+                <c:pt idx="121">
+                  <c:v>-70.362572184789812</c:v>
+                </c:pt>
+                <c:pt idx="122">
+                  <c:v>-72.044911958456808</c:v>
+                </c:pt>
+                <c:pt idx="123">
+                  <c:v>-73.597867017326024</c:v>
+                </c:pt>
+                <c:pt idx="124">
+                  <c:v>-75.028914631094082</c:v>
+                </c:pt>
+                <c:pt idx="125">
+                  <c:v>-76.345527596176268</c:v>
+                </c:pt>
+                <c:pt idx="126">
+                  <c:v>-77.555084338197673</c:v>
+                </c:pt>
+                <c:pt idx="127">
+                  <c:v>-78.664795909740732</c:v>
+                </c:pt>
+                <c:pt idx="128">
+                  <c:v>-79.681648338203701</c:v>
+                </c:pt>
+                <c:pt idx="129">
+                  <c:v>-80.612358645884882</c:v>
+                </c:pt>
+                <c:pt idx="130">
+                  <c:v>-81.463342828038051</c:v>
+                </c:pt>
+                <c:pt idx="131">
+                  <c:v>-82.240694110604565</c:v>
+                </c:pt>
+                <c:pt idx="132">
+                  <c:v>-82.95016989658248</c:v>
+                </c:pt>
+                <c:pt idx="133">
+                  <c:v>-83.597185930925548</c:v>
+                </c:pt>
+                <c:pt idx="134">
+                  <c:v>-84.18681635427896</c:v>
+                </c:pt>
+                <c:pt idx="135">
+                  <c:v>-84.723798464755916</c:v>
+                </c:pt>
+                <c:pt idx="136">
+                  <c:v>-85.212541156164193</c:v>
+                </c:pt>
+                <c:pt idx="137">
+                  <c:v>-85.657136144819589</c:v>
+                </c:pt>
+                <c:pt idx="138">
+                  <c:v>-86.061371231496551</c:v>
+                </c:pt>
+                <c:pt idx="139">
+                  <c:v>-86.428744967866081</c:v>
+                </c:pt>
+                <c:pt idx="140">
+                  <c:v>-86.762482206823549</c:v>
+                </c:pt>
+                <c:pt idx="141">
+                  <c:v>-87.06555011314066</c:v>
+                </c:pt>
+                <c:pt idx="142">
+                  <c:v>-87.340674295210874</c:v>
+                </c:pt>
+                <c:pt idx="143">
+                  <c:v>-87.59035479102036</c:v>
+                </c:pt>
+                <c:pt idx="144">
+                  <c:v>-87.816881702830656</c:v>
+                </c:pt>
+                <c:pt idx="145">
+                  <c:v>-88.022350326493239</c:v>
+                </c:pt>
+                <c:pt idx="146">
+                  <c:v>-88.208675663957251</c:v>
+                </c:pt>
+                <c:pt idx="147">
+                  <c:v>-88.377606242487417</c:v>
+                </c:pt>
+                <c:pt idx="148">
+                  <c:v>-88.530737192431232</c:v>
+                </c:pt>
+                <c:pt idx="149">
+                  <c:v>-88.669522558029257</c:v>
+                </c:pt>
+                <c:pt idx="150">
+                  <c:v>-88.795286833628737</c:v>
+                </c:pt>
+                <c:pt idx="151">
+                  <c:v>-88.909235731514869</c:v>
+                </c:pt>
+                <c:pt idx="152">
+                  <c:v>-89.012466198098934</c:v>
+                </c:pt>
+                <c:pt idx="153">
+                  <c:v>-89.105975702989753</c:v>
+                </c:pt>
+                <c:pt idx="154">
+                  <c:v>-89.190670831030587</c:v>
+                </c:pt>
+                <c:pt idx="155">
+                  <c:v>-89.267375211138699</c:v>
+                </c:pt>
+                <c:pt idx="156">
+                  <c:v>-89.336836818101531</c:v>
+                </c:pt>
+                <c:pt idx="157">
+                  <c:v>-89.399734684665603</c:v>
+                </c:pt>
+                <c:pt idx="158">
+                  <c:v>-89.456685061552491</c:v>
+                </c:pt>
+                <c:pt idx="159">
+                  <c:v>-89.508247062658015</c:v>
+                </c:pt>
+                <c:pt idx="160">
+                  <c:v>-89.554927831805742</c:v>
+                </c:pt>
+                <c:pt idx="161">
+                  <c:v>-89.597187266170266</c:v>
+                </c:pt>
+                <c:pt idx="162">
+                  <c:v>-89.635442329971028</c:v>
+                </c:pt>
+                <c:pt idx="163">
+                  <c:v>-89.670070990351306</c:v>
+                </c:pt>
+                <c:pt idx="164">
+                  <c:v>-89.701415805568601</c:v>
+                </c:pt>
+                <c:pt idx="165">
+                  <c:v>-89.729787193787345</c:v>
+                </c:pt>
+                <c:pt idx="166">
+                  <c:v>-89.755466408922786</c:v>
+                </c:pt>
+                <c:pt idx="167">
+                  <c:v>-89.778708248170062</c:v>
+                </c:pt>
+                <c:pt idx="168">
+                  <c:v>-89.799743514085137</c:v>
+                </c:pt>
+                <c:pt idx="169">
+                  <c:v>-89.818781252384596</c:v>
+                </c:pt>
+                <c:pt idx="170">
+                  <c:v>-89.836010785007886</c:v>
+                </c:pt>
+                <c:pt idx="171">
+                  <c:v>-89.85160355644831</c:v>
+                </c:pt>
+                <c:pt idx="172">
+                  <c:v>-89.865714809909392</c:v>
+                </c:pt>
+                <c:pt idx="173">
+                  <c:v>-89.878485108486089</c:v>
+                </c:pt>
+                <c:pt idx="174">
+                  <c:v>-89.890041715301805</c:v>
+                </c:pt>
+                <c:pt idx="175">
+                  <c:v>-89.90049984535375</c:v>
+                </c:pt>
+                <c:pt idx="176">
+                  <c:v>-89.909963800725677</c:v>
+                </c:pt>
+                <c:pt idx="177">
+                  <c:v>-89.918527999816703</c:v>
+                </c:pt>
+                <c:pt idx="178">
+                  <c:v>-89.926277910302517</c:v>
+                </c:pt>
+                <c:pt idx="179">
+                  <c:v>-89.933290894687246</c:v>
+                </c:pt>
+                <c:pt idx="180">
+                  <c:v>-89.939636976516027</c:v>
+                </c:pt>
+                <c:pt idx="181">
+                  <c:v>-89.945379534594792</c:v>
+                </c:pt>
+                <c:pt idx="182">
+                  <c:v>-89.950575931901767</c:v>
+                </c:pt>
+                <c:pt idx="183">
+                  <c:v>-89.955278085268915</c:v>
+                </c:pt>
+                <c:pt idx="184">
+                  <c:v>-89.959532981358009</c:v>
+                </c:pt>
+                <c:pt idx="185">
+                  <c:v>-89.963383143950068</c:v>
+                </c:pt>
+                <c:pt idx="186">
+                  <c:v>-89.966867057106583</c:v>
+                </c:pt>
+                <c:pt idx="187">
+                  <c:v>-89.970019548340076</c:v>
+                </c:pt>
+                <c:pt idx="188">
+                  <c:v>-89.972872135549252</c:v>
+                </c:pt>
+                <c:pt idx="189">
+                  <c:v>-89.9754533411257</c:v>
+                </c:pt>
+                <c:pt idx="190">
+                  <c:v>-89.977788976322472</c:v>
+                </c:pt>
+                <c:pt idx="191">
+                  <c:v>-89.979902398686676</c:v>
+                </c:pt>
+                <c:pt idx="192">
+                  <c:v>-89.981814745096599</c:v>
+                </c:pt>
+                <c:pt idx="193">
+                  <c:v>-89.983545142706618</c:v>
+                </c:pt>
+                <c:pt idx="194">
+                  <c:v>-89.985110899886692</c:v>
+                </c:pt>
+                <c:pt idx="195">
+                  <c:v>-89.986527679048095</c:v>
+                </c:pt>
+                <c:pt idx="196">
+                  <c:v>-89.987809653068439</c:v>
+                </c:pt>
+                <c:pt idx="197">
+                  <c:v>-89.988969646869009</c:v>
+                </c:pt>
+                <c:pt idx="198">
+                  <c:v>-89.990019265549904</c:v>
+                </c:pt>
+                <c:pt idx="199">
+                  <c:v>-89.99096901035692</c:v>
+                </c:pt>
+                <c:pt idx="200">
+                  <c:v>-89.99182838363356</c:v>
+                </c:pt>
+              </c:numCache>
+            </c:numRef>
+          </c:val>
+          <c:smooth val="0"/>
+          <c:extLst>
+            <c:ext xmlns:c16="http://schemas.microsoft.com/office/drawing/2014/chart" uri="{C3380CC4-5D6E-409C-BE32-E72D297353CC}">
+              <c16:uniqueId val="{00000000-2BA4-425B-ADA6-A692E20E77B9}"/>
+            </c:ext>
+          </c:extLst>
+        </c:ser>
+        <c:dLbls>
+          <c:showLegendKey val="0"/>
+          <c:showVal val="0"/>
+          <c:showCatName val="0"/>
+          <c:showSerName val="0"/>
+          <c:showPercent val="0"/>
+          <c:showBubbleSize val="0"/>
+        </c:dLbls>
+        <c:smooth val="0"/>
+        <c:axId val="403767680"/>
+        <c:axId val="93115456"/>
+      </c:lineChart>
+      <c:catAx>
+        <c:axId val="403767680"/>
+        <c:scaling>
+          <c:orientation val="minMax"/>
+        </c:scaling>
+        <c:delete val="1"/>
+        <c:axPos val="b"/>
+        <c:numFmt formatCode="General" sourceLinked="1"/>
+        <c:majorTickMark val="none"/>
+        <c:minorTickMark val="none"/>
+        <c:tickLblPos val="nextTo"/>
+        <c:crossAx val="93115456"/>
+        <c:crosses val="autoZero"/>
+        <c:auto val="1"/>
+        <c:lblAlgn val="ctr"/>
+        <c:lblOffset val="100"/>
+        <c:noMultiLvlLbl val="0"/>
+      </c:catAx>
+      <c:valAx>
+        <c:axId val="93115456"/>
+        <c:scaling>
+          <c:orientation val="minMax"/>
+          <c:max val="90"/>
+          <c:min val="-90"/>
+        </c:scaling>
+        <c:delete val="0"/>
+        <c:axPos val="l"/>
+        <c:majorGridlines>
+          <c:spPr>
+            <a:ln w="9525" cap="flat" cmpd="sng" algn="ctr">
+              <a:solidFill>
+                <a:schemeClr val="tx1">
+                  <a:lumMod val="15000"/>
+                  <a:lumOff val="85000"/>
+                </a:schemeClr>
+              </a:solidFill>
+              <a:round/>
+            </a:ln>
+            <a:effectLst/>
+          </c:spPr>
+        </c:majorGridlines>
+        <c:numFmt formatCode="General" sourceLinked="1"/>
+        <c:majorTickMark val="none"/>
+        <c:minorTickMark val="none"/>
+        <c:tickLblPos val="nextTo"/>
+        <c:spPr>
+          <a:noFill/>
+          <a:ln>
+            <a:noFill/>
+          </a:ln>
+          <a:effectLst/>
+        </c:spPr>
+        <c:txPr>
+          <a:bodyPr rot="-60000000" spcFirstLastPara="1" vertOverflow="ellipsis" vert="horz" wrap="square" anchor="ctr" anchorCtr="1"/>
+          <a:lstStyle/>
+          <a:p>
+            <a:pPr>
+              <a:defRPr sz="900" b="0" i="0" u="none" strike="noStrike" kern="1200" baseline="0">
+                <a:solidFill>
+                  <a:schemeClr val="tx1">
+                    <a:lumMod val="65000"/>
+                    <a:lumOff val="35000"/>
+                  </a:schemeClr>
+                </a:solidFill>
+                <a:latin typeface="+mn-lt"/>
+                <a:ea typeface="+mn-ea"/>
+                <a:cs typeface="+mn-cs"/>
+              </a:defRPr>
+            </a:pPr>
+            <a:endParaRPr lang="de-DE"/>
+          </a:p>
+        </c:txPr>
+        <c:crossAx val="403767680"/>
+        <c:crosses val="autoZero"/>
+        <c:crossBetween val="between"/>
+      </c:valAx>
+      <c:spPr>
+        <a:noFill/>
+        <a:ln>
+          <a:noFill/>
+        </a:ln>
+        <a:effectLst/>
+      </c:spPr>
+    </c:plotArea>
+    <c:plotVisOnly val="1"/>
+    <c:dispBlanksAs val="gap"/>
+    <c:showDLblsOverMax val="0"/>
+  </c:chart>
+  <c:spPr>
+    <a:noFill/>
+    <a:ln>
+      <a:noFill/>
+    </a:ln>
+    <a:effectLst/>
+  </c:spPr>
+  <c:txPr>
+    <a:bodyPr/>
+    <a:lstStyle/>
+    <a:p>
+      <a:pPr>
+        <a:defRPr/>
+      </a:pPr>
+      <a:endParaRPr lang="de-DE"/>
+    </a:p>
+  </c:txPr>
+  <c:externalData r:id="rId3">
+    <c:autoUpdate val="0"/>
+  </c:externalData>
+</c:chartSpace>
+</file>
+
+<file path=ppt/charts/colors1.xml><?xml version="1.0" encoding="utf-8"?>
+<cs:colorStyle xmlns:cs="http://schemas.microsoft.com/office/drawing/2012/chartStyle" xmlns:a="http://schemas.openxmlformats.org/drawingml/2006/main" meth="cycle" id="10">
+  <a:schemeClr val="accent1"/>
+  <a:schemeClr val="accent2"/>
+  <a:schemeClr val="accent3"/>
+  <a:schemeClr val="accent4"/>
+  <a:schemeClr val="accent5"/>
+  <a:schemeClr val="accent6"/>
+  <cs:variation/>
+  <cs:variation>
+    <a:lumMod val="60000"/>
+  </cs:variation>
+  <cs:variation>
+    <a:lumMod val="80000"/>
+    <a:lumOff val="20000"/>
+  </cs:variation>
+  <cs:variation>
+    <a:lumMod val="80000"/>
+  </cs:variation>
+  <cs:variation>
+    <a:lumMod val="60000"/>
+    <a:lumOff val="40000"/>
+  </cs:variation>
+  <cs:variation>
+    <a:lumMod val="50000"/>
+  </cs:variation>
+  <cs:variation>
+    <a:lumMod val="70000"/>
+    <a:lumOff val="30000"/>
+  </cs:variation>
+  <cs:variation>
+    <a:lumMod val="70000"/>
+  </cs:variation>
+  <cs:variation>
+    <a:lumMod val="50000"/>
+    <a:lumOff val="50000"/>
+  </cs:variation>
+</cs:colorStyle>
+</file>
+
+<file path=ppt/charts/style1.xml><?xml version="1.0" encoding="utf-8"?>
+<cs:chartStyle xmlns:cs="http://schemas.microsoft.com/office/drawing/2012/chartStyle" xmlns:a="http://schemas.openxmlformats.org/drawingml/2006/main" id="227">
+  <cs:axisTitle>
+    <cs:lnRef idx="0"/>
+    <cs:fillRef idx="0"/>
+    <cs:effectRef idx="0"/>
+    <cs:fontRef idx="minor">
+      <a:schemeClr val="tx1">
+        <a:lumMod val="65000"/>
+        <a:lumOff val="35000"/>
+      </a:schemeClr>
+    </cs:fontRef>
+    <cs:defRPr sz="1000" kern="1200"/>
+  </cs:axisTitle>
+  <cs:categoryAxis>
+    <cs:lnRef idx="0"/>
+    <cs:fillRef idx="0"/>
+    <cs:effectRef idx="0"/>
+    <cs:fontRef idx="minor">
+      <a:schemeClr val="tx1">
+        <a:lumMod val="65000"/>
+        <a:lumOff val="35000"/>
+      </a:schemeClr>
+    </cs:fontRef>
+    <cs:spPr>
+      <a:ln w="9525" cap="flat" cmpd="sng" algn="ctr">
+        <a:solidFill>
+          <a:schemeClr val="tx1">
+            <a:lumMod val="15000"/>
+            <a:lumOff val="85000"/>
+          </a:schemeClr>
+        </a:solidFill>
+        <a:round/>
+      </a:ln>
+    </cs:spPr>
+    <cs:defRPr sz="900" kern="1200"/>
+  </cs:categoryAxis>
+  <cs:chartArea mods="allowNoFillOverride allowNoLineOverride">
+    <cs:lnRef idx="0"/>
+    <cs:fillRef idx="0"/>
+    <cs:effectRef idx="0"/>
+    <cs:fontRef idx="minor">
+      <a:schemeClr val="tx1"/>
+    </cs:fontRef>
+    <cs:spPr>
+      <a:solidFill>
+        <a:schemeClr val="bg1"/>
+      </a:solidFill>
+      <a:ln w="9525" cap="flat" cmpd="sng" algn="ctr">
+        <a:solidFill>
+          <a:schemeClr val="tx1">
+            <a:lumMod val="15000"/>
+            <a:lumOff val="85000"/>
+          </a:schemeClr>
+        </a:solidFill>
+        <a:round/>
+      </a:ln>
+    </cs:spPr>
+    <cs:defRPr sz="1000" kern="1200"/>
+  </cs:chartArea>
+  <cs:dataLabel>
+    <cs:lnRef idx="0"/>
+    <cs:fillRef idx="0"/>
+    <cs:effectRef idx="0"/>
+    <cs:fontRef idx="minor">
+      <a:schemeClr val="tx1">
+        <a:lumMod val="75000"/>
+        <a:lumOff val="25000"/>
+      </a:schemeClr>
+    </cs:fontRef>
+    <cs:defRPr sz="900" kern="1200"/>
+  </cs:dataLabel>
+  <cs:dataLabelCallout>
+    <cs:lnRef idx="0"/>
+    <cs:fillRef idx="0"/>
+    <cs:effectRef idx="0"/>
+    <cs:fontRef idx="minor">
+      <a:schemeClr val="dk1">
+        <a:lumMod val="65000"/>
+        <a:lumOff val="35000"/>
+      </a:schemeClr>
+    </cs:fontRef>
+    <cs:spPr>
+      <a:solidFill>
+        <a:schemeClr val="lt1"/>
+      </a:solidFill>
+      <a:ln>
+        <a:solidFill>
+          <a:schemeClr val="dk1">
+            <a:lumMod val="25000"/>
+            <a:lumOff val="75000"/>
+          </a:schemeClr>
+        </a:solidFill>
+      </a:ln>
+    </cs:spPr>
+    <cs:defRPr sz="900" kern="1200"/>
+    <cs:bodyPr rot="0" spcFirstLastPara="1" vertOverflow="clip" horzOverflow="clip" vert="horz" wrap="square" lIns="36576" tIns="18288" rIns="36576" bIns="18288" anchor="ctr" anchorCtr="1">
+      <a:spAutoFit/>
+    </cs:bodyPr>
+  </cs:dataLabelCallout>
+  <cs:dataPoint>
+    <cs:lnRef idx="0"/>
+    <cs:fillRef idx="1">
+      <cs:styleClr val="auto"/>
+    </cs:fillRef>
+    <cs:effectRef idx="0"/>
+    <cs:fontRef idx="minor">
+      <a:schemeClr val="tx1"/>
+    </cs:fontRef>
+    <cs:spPr>
+      <a:solidFill>
+        <a:schemeClr val="phClr"/>
+      </a:solidFill>
+    </cs:spPr>
+  </cs:dataPoint>
+  <cs:dataPoint3D>
+    <cs:lnRef idx="0"/>
+    <cs:fillRef idx="1">
+      <cs:styleClr val="auto"/>
+    </cs:fillRef>
+    <cs:effectRef idx="0"/>
+    <cs:fontRef idx="minor">
+      <a:schemeClr val="tx1"/>
+    </cs:fontRef>
+    <cs:spPr>
+      <a:solidFill>
+        <a:schemeClr val="phClr"/>
+      </a:solidFill>
+    </cs:spPr>
+  </cs:dataPoint3D>
+  <cs:dataPointLine>
+    <cs:lnRef idx="0">
+      <cs:styleClr val="auto"/>
+    </cs:lnRef>
+    <cs:fillRef idx="1"/>
+    <cs:effectRef idx="0"/>
+    <cs:fontRef idx="minor">
+      <a:schemeClr val="tx1"/>
+    </cs:fontRef>
+    <cs:spPr>
+      <a:ln w="28575" cap="rnd">
+        <a:solidFill>
+          <a:schemeClr val="phClr"/>
+        </a:solidFill>
+        <a:round/>
+      </a:ln>
+    </cs:spPr>
+  </cs:dataPointLine>
+  <cs:dataPointMarker>
+    <cs:lnRef idx="0">
+      <cs:styleClr val="auto"/>
+    </cs:lnRef>
+    <cs:fillRef idx="1">
+      <cs:styleClr val="auto"/>
+    </cs:fillRef>
+    <cs:effectRef idx="0"/>
+    <cs:fontRef idx="minor">
+      <a:schemeClr val="tx1"/>
+    </cs:fontRef>
+    <cs:spPr>
+      <a:solidFill>
+        <a:schemeClr val="phClr"/>
+      </a:solidFill>
+      <a:ln w="9525">
+        <a:solidFill>
+          <a:schemeClr val="phClr"/>
+        </a:solidFill>
+      </a:ln>
+    </cs:spPr>
+  </cs:dataPointMarker>
+  <cs:dataPointMarkerLayout symbol="circle" size="5"/>
+  <cs:dataPointWireframe>
+    <cs:lnRef idx="0">
+      <cs:styleClr val="auto"/>
+    </cs:lnRef>
+    <cs:fillRef idx="1"/>
+    <cs:effectRef idx="0"/>
+    <cs:fontRef idx="minor">
+      <a:schemeClr val="tx1"/>
+    </cs:fontRef>
+    <cs:spPr>
+      <a:ln w="9525" cap="rnd">
+        <a:solidFill>
+          <a:schemeClr val="phClr"/>
+        </a:solidFill>
+        <a:round/>
+      </a:ln>
+    </cs:spPr>
+  </cs:dataPointWireframe>
+  <cs:dataTable>
+    <cs:lnRef idx="0"/>
+    <cs:fillRef idx="0"/>
+    <cs:effectRef idx="0"/>
+    <cs:fontRef idx="minor">
+      <a:schemeClr val="tx1">
+        <a:lumMod val="65000"/>
+        <a:lumOff val="35000"/>
+      </a:schemeClr>
+    </cs:fontRef>
+    <cs:spPr>
+      <a:noFill/>
+      <a:ln w="9525" cap="flat" cmpd="sng" algn="ctr">
+        <a:solidFill>
+          <a:schemeClr val="tx1">
+            <a:lumMod val="15000"/>
+            <a:lumOff val="85000"/>
+          </a:schemeClr>
+        </a:solidFill>
+        <a:round/>
+      </a:ln>
+    </cs:spPr>
+    <cs:defRPr sz="900" kern="1200"/>
+  </cs:dataTable>
+  <cs:downBar>
+    <cs:lnRef idx="0"/>
+    <cs:fillRef idx="0"/>
+    <cs:effectRef idx="0"/>
+    <cs:fontRef idx="minor">
+      <a:schemeClr val="dk1"/>
+    </cs:fontRef>
+    <cs:spPr>
+      <a:solidFill>
+        <a:schemeClr val="dk1">
+          <a:lumMod val="65000"/>
+          <a:lumOff val="35000"/>
+        </a:schemeClr>
+      </a:solidFill>
+      <a:ln w="9525">
+        <a:solidFill>
+          <a:schemeClr val="tx1">
+            <a:lumMod val="65000"/>
+            <a:lumOff val="35000"/>
+          </a:schemeClr>
+        </a:solidFill>
+      </a:ln>
+    </cs:spPr>
+  </cs:downBar>
+  <cs:dropLine>
+    <cs:lnRef idx="0"/>
+    <cs:fillRef idx="0"/>
+    <cs:effectRef idx="0"/>
+    <cs:fontRef idx="minor">
+      <a:schemeClr val="tx1"/>
+    </cs:fontRef>
+    <cs:spPr>
+      <a:ln w="9525" cap="flat" cmpd="sng" algn="ctr">
+        <a:solidFill>
+          <a:schemeClr val="tx1">
+            <a:lumMod val="35000"/>
+            <a:lumOff val="65000"/>
+          </a:schemeClr>
+        </a:solidFill>
+        <a:round/>
+      </a:ln>
+    </cs:spPr>
+  </cs:dropLine>
+  <cs:errorBar>
+    <cs:lnRef idx="0"/>
+    <cs:fillRef idx="0"/>
+    <cs:effectRef idx="0"/>
+    <cs:fontRef idx="minor">
+      <a:schemeClr val="tx1"/>
+    </cs:fontRef>
+    <cs:spPr>
+      <a:ln w="9525" cap="flat" cmpd="sng" algn="ctr">
+        <a:solidFill>
+          <a:schemeClr val="tx1">
+            <a:lumMod val="65000"/>
+            <a:lumOff val="35000"/>
+          </a:schemeClr>
+        </a:solidFill>
+        <a:round/>
+      </a:ln>
+    </cs:spPr>
+  </cs:errorBar>
+  <cs:floor>
+    <cs:lnRef idx="0"/>
+    <cs:fillRef idx="0"/>
+    <cs:effectRef idx="0"/>
+    <cs:fontRef idx="minor">
+      <a:schemeClr val="tx1"/>
+    </cs:fontRef>
+    <cs:spPr>
+      <a:noFill/>
+      <a:ln>
+        <a:noFill/>
+      </a:ln>
+    </cs:spPr>
+  </cs:floor>
+  <cs:gridlineMajor>
+    <cs:lnRef idx="0"/>
+    <cs:fillRef idx="0"/>
+    <cs:effectRef idx="0"/>
+    <cs:fontRef idx="minor">
+      <a:schemeClr val="tx1"/>
+    </cs:fontRef>
+    <cs:spPr>
+      <a:ln w="9525" cap="flat" cmpd="sng" algn="ctr">
+        <a:solidFill>
+          <a:schemeClr val="tx1">
+            <a:lumMod val="15000"/>
+            <a:lumOff val="85000"/>
+          </a:schemeClr>
+        </a:solidFill>
+        <a:round/>
+      </a:ln>
+    </cs:spPr>
+  </cs:gridlineMajor>
+  <cs:gridlineMinor>
+    <cs:lnRef idx="0"/>
+    <cs:fillRef idx="0"/>
+    <cs:effectRef idx="0"/>
+    <cs:fontRef idx="minor">
+      <a:schemeClr val="tx1"/>
+    </cs:fontRef>
+    <cs:spPr>
+      <a:ln w="9525" cap="flat" cmpd="sng" algn="ctr">
+        <a:solidFill>
+          <a:schemeClr val="tx1">
+            <a:lumMod val="5000"/>
+            <a:lumOff val="95000"/>
+          </a:schemeClr>
+        </a:solidFill>
+        <a:round/>
+      </a:ln>
+    </cs:spPr>
+  </cs:gridlineMinor>
+  <cs:hiLoLine>
+    <cs:lnRef idx="0"/>
+    <cs:fillRef idx="0"/>
+    <cs:effectRef idx="0"/>
+    <cs:fontRef idx="minor">
+      <a:schemeClr val="tx1"/>
+    </cs:fontRef>
+    <cs:spPr>
+      <a:ln w="9525" cap="flat" cmpd="sng" algn="ctr">
+        <a:solidFill>
+          <a:schemeClr val="tx1">
+            <a:lumMod val="75000"/>
+            <a:lumOff val="25000"/>
+          </a:schemeClr>
+        </a:solidFill>
+        <a:round/>
+      </a:ln>
+    </cs:spPr>
+  </cs:hiLoLine>
+  <cs:leaderLine>
+    <cs:lnRef idx="0"/>
+    <cs:fillRef idx="0"/>
+    <cs:effectRef idx="0"/>
+    <cs:fontRef idx="minor">
+      <a:schemeClr val="tx1"/>
+    </cs:fontRef>
+    <cs:spPr>
+      <a:ln w="9525" cap="flat" cmpd="sng" algn="ctr">
+        <a:solidFill>
+          <a:schemeClr val="tx1">
+            <a:lumMod val="35000"/>
+            <a:lumOff val="65000"/>
+          </a:schemeClr>
+        </a:solidFill>
+        <a:round/>
+      </a:ln>
+    </cs:spPr>
+  </cs:leaderLine>
+  <cs:legend>
+    <cs:lnRef idx="0"/>
+    <cs:fillRef idx="0"/>
+    <cs:effectRef idx="0"/>
+    <cs:fontRef idx="minor">
+      <a:schemeClr val="tx1">
+        <a:lumMod val="65000"/>
+        <a:lumOff val="35000"/>
+      </a:schemeClr>
+    </cs:fontRef>
+    <cs:defRPr sz="900" kern="1200"/>
+  </cs:legend>
+  <cs:plotArea mods="allowNoFillOverride allowNoLineOverride">
+    <cs:lnRef idx="0"/>
+    <cs:fillRef idx="0"/>
+    <cs:effectRef idx="0"/>
+    <cs:fontRef idx="minor">
+      <a:schemeClr val="tx1"/>
+    </cs:fontRef>
+  </cs:plotArea>
+  <cs:plotArea3D mods="allowNoFillOverride allowNoLineOverride">
+    <cs:lnRef idx="0"/>
+    <cs:fillRef idx="0"/>
+    <cs:effectRef idx="0"/>
+    <cs:fontRef idx="minor">
+      <a:schemeClr val="tx1"/>
+    </cs:fontRef>
+  </cs:plotArea3D>
+  <cs:seriesAxis>
+    <cs:lnRef idx="0"/>
+    <cs:fillRef idx="0"/>
+    <cs:effectRef idx="0"/>
+    <cs:fontRef idx="minor">
+      <a:schemeClr val="tx1">
+        <a:lumMod val="65000"/>
+        <a:lumOff val="35000"/>
+      </a:schemeClr>
+    </cs:fontRef>
+    <cs:defRPr sz="900" kern="1200"/>
+  </cs:seriesAxis>
+  <cs:seriesLine>
+    <cs:lnRef idx="0"/>
+    <cs:fillRef idx="0"/>
+    <cs:effectRef idx="0"/>
+    <cs:fontRef idx="minor">
+      <a:schemeClr val="tx1"/>
+    </cs:fontRef>
+    <cs:spPr>
+      <a:ln w="9525" cap="flat" cmpd="sng" algn="ctr">
+        <a:solidFill>
+          <a:schemeClr val="tx1">
+            <a:lumMod val="35000"/>
+            <a:lumOff val="65000"/>
+          </a:schemeClr>
+        </a:solidFill>
+        <a:round/>
+      </a:ln>
+    </cs:spPr>
+  </cs:seriesLine>
+  <cs:title>
+    <cs:lnRef idx="0"/>
+    <cs:fillRef idx="0"/>
+    <cs:effectRef idx="0"/>
+    <cs:fontRef idx="minor">
+      <a:schemeClr val="tx1">
+        <a:lumMod val="65000"/>
+        <a:lumOff val="35000"/>
+      </a:schemeClr>
+    </cs:fontRef>
+    <cs:defRPr sz="1400" b="0" kern="1200" spc="0" baseline="0"/>
+  </cs:title>
+  <cs:trendline>
+    <cs:lnRef idx="0">
+      <cs:styleClr val="auto"/>
+    </cs:lnRef>
+    <cs:fillRef idx="0"/>
+    <cs:effectRef idx="0"/>
+    <cs:fontRef idx="minor">
+      <a:schemeClr val="tx1"/>
+    </cs:fontRef>
+    <cs:spPr>
+      <a:ln w="19050" cap="rnd">
+        <a:solidFill>
+          <a:schemeClr val="phClr"/>
+        </a:solidFill>
+        <a:prstDash val="sysDot"/>
+      </a:ln>
+    </cs:spPr>
+  </cs:trendline>
+  <cs:trendlineLabel>
+    <cs:lnRef idx="0"/>
+    <cs:fillRef idx="0"/>
+    <cs:effectRef idx="0"/>
+    <cs:fontRef idx="minor">
+      <a:schemeClr val="tx1">
+        <a:lumMod val="65000"/>
+        <a:lumOff val="35000"/>
+      </a:schemeClr>
+    </cs:fontRef>
+    <cs:defRPr sz="900" kern="1200"/>
+  </cs:trendlineLabel>
+  <cs:upBar>
+    <cs:lnRef idx="0"/>
+    <cs:fillRef idx="0"/>
+    <cs:effectRef idx="0"/>
+    <cs:fontRef idx="minor">
+      <a:schemeClr val="dk1"/>
+    </cs:fontRef>
+    <cs:spPr>
+      <a:solidFill>
+        <a:schemeClr val="lt1"/>
+      </a:solidFill>
+      <a:ln w="9525">
+        <a:solidFill>
+          <a:schemeClr val="tx1">
+            <a:lumMod val="15000"/>
+            <a:lumOff val="85000"/>
+          </a:schemeClr>
+        </a:solidFill>
+      </a:ln>
+    </cs:spPr>
+  </cs:upBar>
+  <cs:valueAxis>
+    <cs:lnRef idx="0"/>
+    <cs:fillRef idx="0"/>
+    <cs:effectRef idx="0"/>
+    <cs:fontRef idx="minor">
+      <a:schemeClr val="tx1">
+        <a:lumMod val="65000"/>
+        <a:lumOff val="35000"/>
+      </a:schemeClr>
+    </cs:fontRef>
+    <cs:defRPr sz="900" kern="1200"/>
+  </cs:valueAxis>
+  <cs:wall>
+    <cs:lnRef idx="0"/>
+    <cs:fillRef idx="0"/>
+    <cs:effectRef idx="0"/>
+    <cs:fontRef idx="minor">
+      <a:schemeClr val="tx1"/>
+    </cs:fontRef>
+    <cs:spPr>
+      <a:noFill/>
+      <a:ln>
+        <a:noFill/>
+      </a:ln>
+    </cs:spPr>
+  </cs:wall>
+</cs:chartStyle>
 </file>
 
 <file path=ppt/slideLayouts/slideLayout1.xml><?xml version="1.0" encoding="utf-8"?>
@@ -4208,6 +5541,1305 @@
           </a:fontRef>
         </p:style>
       </p:cxnSp>
+      <p:sp>
+        <p:nvSpPr>
+          <p:cNvPr id="51" name="Ellipse 50">
+            <a:extLst>
+              <a:ext uri="{FF2B5EF4-FFF2-40B4-BE49-F238E27FC236}">
+                <a16:creationId xmlns:a16="http://schemas.microsoft.com/office/drawing/2014/main" id="{956D7F4E-63F6-475E-B13D-63BF931664D4}"/>
+              </a:ext>
+            </a:extLst>
+          </p:cNvPr>
+          <p:cNvSpPr/>
+          <p:nvPr/>
+        </p:nvSpPr>
+        <p:spPr>
+          <a:xfrm>
+            <a:off x="9338429" y="2011479"/>
+            <a:ext cx="121640" cy="134224"/>
+          </a:xfrm>
+          <a:prstGeom prst="ellipse">
+            <a:avLst/>
+          </a:prstGeom>
+          <a:noFill/>
+        </p:spPr>
+        <p:style>
+          <a:lnRef idx="2">
+            <a:schemeClr val="accent1">
+              <a:shade val="50000"/>
+            </a:schemeClr>
+          </a:lnRef>
+          <a:fillRef idx="1">
+            <a:schemeClr val="accent1"/>
+          </a:fillRef>
+          <a:effectRef idx="0">
+            <a:schemeClr val="accent1"/>
+          </a:effectRef>
+          <a:fontRef idx="minor">
+            <a:schemeClr val="lt1"/>
+          </a:fontRef>
+        </p:style>
+        <p:txBody>
+          <a:bodyPr rtlCol="0" anchor="ctr"/>
+          <a:lstStyle/>
+          <a:p>
+            <a:pPr algn="ctr"/>
+            <a:endParaRPr lang="de-DE"/>
+          </a:p>
+        </p:txBody>
+      </p:sp>
+      <p:grpSp>
+        <p:nvGrpSpPr>
+          <p:cNvPr id="62" name="Gruppieren 61">
+            <a:extLst>
+              <a:ext uri="{FF2B5EF4-FFF2-40B4-BE49-F238E27FC236}">
+                <a16:creationId xmlns:a16="http://schemas.microsoft.com/office/drawing/2014/main" id="{4600B7F2-86D4-4ED0-A767-52069CF71F4B}"/>
+              </a:ext>
+            </a:extLst>
+          </p:cNvPr>
+          <p:cNvGrpSpPr/>
+          <p:nvPr/>
+        </p:nvGrpSpPr>
+        <p:grpSpPr>
+          <a:xfrm>
+            <a:off x="9039117" y="1301419"/>
+            <a:ext cx="697070" cy="1561113"/>
+            <a:chOff x="9039117" y="1301419"/>
+            <a:chExt cx="697070" cy="1561113"/>
+          </a:xfrm>
+        </p:grpSpPr>
+        <p:cxnSp>
+          <p:nvCxnSpPr>
+            <p:cNvPr id="52" name="Gerader Verbinder 51">
+              <a:extLst>
+                <a:ext uri="{FF2B5EF4-FFF2-40B4-BE49-F238E27FC236}">
+                  <a16:creationId xmlns:a16="http://schemas.microsoft.com/office/drawing/2014/main" id="{C5D34EB2-CB50-4714-A870-6485BE87B0F6}"/>
+                </a:ext>
+              </a:extLst>
+            </p:cNvPr>
+            <p:cNvCxnSpPr>
+              <a:cxnSpLocks/>
+            </p:cNvCxnSpPr>
+            <p:nvPr/>
+          </p:nvCxnSpPr>
+          <p:spPr>
+            <a:xfrm>
+              <a:off x="9229372" y="1497653"/>
+              <a:ext cx="169877" cy="580938"/>
+            </a:xfrm>
+            <a:prstGeom prst="line">
+              <a:avLst/>
+            </a:prstGeom>
+            <a:ln w="76200">
+              <a:solidFill>
+                <a:schemeClr val="bg1">
+                  <a:lumMod val="85000"/>
+                </a:schemeClr>
+              </a:solidFill>
+            </a:ln>
+          </p:spPr>
+          <p:style>
+            <a:lnRef idx="1">
+              <a:schemeClr val="accent1"/>
+            </a:lnRef>
+            <a:fillRef idx="0">
+              <a:schemeClr val="accent1"/>
+            </a:fillRef>
+            <a:effectRef idx="0">
+              <a:schemeClr val="accent1"/>
+            </a:effectRef>
+            <a:fontRef idx="minor">
+              <a:schemeClr val="tx1"/>
+            </a:fontRef>
+          </p:style>
+        </p:cxnSp>
+        <p:cxnSp>
+          <p:nvCxnSpPr>
+            <p:cNvPr id="53" name="Gerader Verbinder 52">
+              <a:extLst>
+                <a:ext uri="{FF2B5EF4-FFF2-40B4-BE49-F238E27FC236}">
+                  <a16:creationId xmlns:a16="http://schemas.microsoft.com/office/drawing/2014/main" id="{193A35E3-9135-4A92-BAA2-317031660B6A}"/>
+                </a:ext>
+              </a:extLst>
+            </p:cNvPr>
+            <p:cNvCxnSpPr>
+              <a:cxnSpLocks/>
+            </p:cNvCxnSpPr>
+            <p:nvPr/>
+          </p:nvCxnSpPr>
+          <p:spPr>
+            <a:xfrm>
+              <a:off x="9399249" y="2078591"/>
+              <a:ext cx="169877" cy="580938"/>
+            </a:xfrm>
+            <a:prstGeom prst="line">
+              <a:avLst/>
+            </a:prstGeom>
+            <a:ln w="76200">
+              <a:solidFill>
+                <a:srgbClr val="C00000"/>
+              </a:solidFill>
+            </a:ln>
+          </p:spPr>
+          <p:style>
+            <a:lnRef idx="1">
+              <a:schemeClr val="accent1"/>
+            </a:lnRef>
+            <a:fillRef idx="0">
+              <a:schemeClr val="accent1"/>
+            </a:fillRef>
+            <a:effectRef idx="0">
+              <a:schemeClr val="accent1"/>
+            </a:effectRef>
+            <a:fontRef idx="minor">
+              <a:schemeClr val="tx1"/>
+            </a:fontRef>
+          </p:style>
+        </p:cxnSp>
+        <p:sp>
+          <p:nvSpPr>
+            <p:cNvPr id="57" name="Textfeld 56">
+              <a:extLst>
+                <a:ext uri="{FF2B5EF4-FFF2-40B4-BE49-F238E27FC236}">
+                  <a16:creationId xmlns:a16="http://schemas.microsoft.com/office/drawing/2014/main" id="{23A3E090-4311-43E4-8E2C-6F34DA711225}"/>
+                </a:ext>
+              </a:extLst>
+            </p:cNvPr>
+            <p:cNvSpPr txBox="1"/>
+            <p:nvPr/>
+          </p:nvSpPr>
+          <p:spPr>
+            <a:xfrm>
+              <a:off x="9480989" y="2585533"/>
+              <a:ext cx="255198" cy="276999"/>
+            </a:xfrm>
+            <a:prstGeom prst="rect">
+              <a:avLst/>
+            </a:prstGeom>
+            <a:noFill/>
+          </p:spPr>
+          <p:txBody>
+            <a:bodyPr wrap="none" rtlCol="0">
+              <a:spAutoFit/>
+            </a:bodyPr>
+            <a:lstStyle/>
+            <a:p>
+              <a:r>
+                <a:rPr lang="de-DE" sz="1200" dirty="0"/>
+                <a:t>S</a:t>
+              </a:r>
+            </a:p>
+          </p:txBody>
+        </p:sp>
+        <p:sp>
+          <p:nvSpPr>
+            <p:cNvPr id="58" name="Textfeld 57">
+              <a:extLst>
+                <a:ext uri="{FF2B5EF4-FFF2-40B4-BE49-F238E27FC236}">
+                  <a16:creationId xmlns:a16="http://schemas.microsoft.com/office/drawing/2014/main" id="{01E4347B-DD16-4683-B37C-7FA4FD0F72B9}"/>
+                </a:ext>
+              </a:extLst>
+            </p:cNvPr>
+            <p:cNvSpPr txBox="1"/>
+            <p:nvPr/>
+          </p:nvSpPr>
+          <p:spPr>
+            <a:xfrm>
+              <a:off x="9039117" y="1301419"/>
+              <a:ext cx="284052" cy="276999"/>
+            </a:xfrm>
+            <a:prstGeom prst="rect">
+              <a:avLst/>
+            </a:prstGeom>
+            <a:noFill/>
+          </p:spPr>
+          <p:txBody>
+            <a:bodyPr wrap="none" rtlCol="0">
+              <a:spAutoFit/>
+            </a:bodyPr>
+            <a:lstStyle/>
+            <a:p>
+              <a:r>
+                <a:rPr lang="de-DE" sz="1200" dirty="0"/>
+                <a:t>N</a:t>
+              </a:r>
+            </a:p>
+          </p:txBody>
+        </p:sp>
+      </p:grpSp>
+      <p:grpSp>
+        <p:nvGrpSpPr>
+          <p:cNvPr id="61" name="Gruppieren 60">
+            <a:extLst>
+              <a:ext uri="{FF2B5EF4-FFF2-40B4-BE49-F238E27FC236}">
+                <a16:creationId xmlns:a16="http://schemas.microsoft.com/office/drawing/2014/main" id="{15AD3E4E-5DAC-49BF-B917-061C5A832A5B}"/>
+              </a:ext>
+            </a:extLst>
+          </p:cNvPr>
+          <p:cNvGrpSpPr/>
+          <p:nvPr/>
+        </p:nvGrpSpPr>
+        <p:grpSpPr>
+          <a:xfrm>
+            <a:off x="8933807" y="1019248"/>
+            <a:ext cx="920366" cy="2148771"/>
+            <a:chOff x="8933807" y="1019248"/>
+            <a:chExt cx="920366" cy="2148771"/>
+          </a:xfrm>
+        </p:grpSpPr>
+        <p:grpSp>
+          <p:nvGrpSpPr>
+            <p:cNvPr id="54" name="Gruppieren 53">
+              <a:extLst>
+                <a:ext uri="{FF2B5EF4-FFF2-40B4-BE49-F238E27FC236}">
+                  <a16:creationId xmlns:a16="http://schemas.microsoft.com/office/drawing/2014/main" id="{34293531-5510-4E35-8890-06BE4EE5DD2F}"/>
+                </a:ext>
+              </a:extLst>
+            </p:cNvPr>
+            <p:cNvGrpSpPr/>
+            <p:nvPr/>
+          </p:nvGrpSpPr>
+          <p:grpSpPr>
+            <a:xfrm rot="1762345">
+              <a:off x="9230772" y="1189028"/>
+              <a:ext cx="339754" cy="1781934"/>
+              <a:chOff x="4992850" y="1853273"/>
+              <a:chExt cx="339754" cy="1161876"/>
+            </a:xfrm>
+          </p:grpSpPr>
+          <p:cxnSp>
+            <p:nvCxnSpPr>
+              <p:cNvPr id="55" name="Gerader Verbinder 54">
+                <a:extLst>
+                  <a:ext uri="{FF2B5EF4-FFF2-40B4-BE49-F238E27FC236}">
+                    <a16:creationId xmlns:a16="http://schemas.microsoft.com/office/drawing/2014/main" id="{B457F33E-C041-480C-A11C-D2B5F17B5C94}"/>
+                  </a:ext>
+                </a:extLst>
+              </p:cNvPr>
+              <p:cNvCxnSpPr>
+                <a:cxnSpLocks/>
+              </p:cNvCxnSpPr>
+              <p:nvPr/>
+            </p:nvCxnSpPr>
+            <p:spPr>
+              <a:xfrm>
+                <a:off x="4992850" y="1853273"/>
+                <a:ext cx="169877" cy="580938"/>
+              </a:xfrm>
+              <a:prstGeom prst="line">
+                <a:avLst/>
+              </a:prstGeom>
+              <a:ln w="76200">
+                <a:solidFill>
+                  <a:schemeClr val="tx2">
+                    <a:lumMod val="40000"/>
+                    <a:lumOff val="60000"/>
+                  </a:schemeClr>
+                </a:solidFill>
+              </a:ln>
+            </p:spPr>
+            <p:style>
+              <a:lnRef idx="1">
+                <a:schemeClr val="accent1"/>
+              </a:lnRef>
+              <a:fillRef idx="0">
+                <a:schemeClr val="accent1"/>
+              </a:fillRef>
+              <a:effectRef idx="0">
+                <a:schemeClr val="accent1"/>
+              </a:effectRef>
+              <a:fontRef idx="minor">
+                <a:schemeClr val="tx1"/>
+              </a:fontRef>
+            </p:style>
+          </p:cxnSp>
+          <p:cxnSp>
+            <p:nvCxnSpPr>
+              <p:cNvPr id="56" name="Gerader Verbinder 55">
+                <a:extLst>
+                  <a:ext uri="{FF2B5EF4-FFF2-40B4-BE49-F238E27FC236}">
+                    <a16:creationId xmlns:a16="http://schemas.microsoft.com/office/drawing/2014/main" id="{88965BEC-2ED7-4C4C-99D9-D8B92F1B0D22}"/>
+                  </a:ext>
+                </a:extLst>
+              </p:cNvPr>
+              <p:cNvCxnSpPr>
+                <a:cxnSpLocks/>
+              </p:cNvCxnSpPr>
+              <p:nvPr/>
+            </p:nvCxnSpPr>
+            <p:spPr>
+              <a:xfrm>
+                <a:off x="5162727" y="2434211"/>
+                <a:ext cx="169877" cy="580938"/>
+              </a:xfrm>
+              <a:prstGeom prst="line">
+                <a:avLst/>
+              </a:prstGeom>
+              <a:ln w="76200">
+                <a:solidFill>
+                  <a:srgbClr val="FFC000"/>
+                </a:solidFill>
+              </a:ln>
+            </p:spPr>
+            <p:style>
+              <a:lnRef idx="1">
+                <a:schemeClr val="accent1"/>
+              </a:lnRef>
+              <a:fillRef idx="0">
+                <a:schemeClr val="accent1"/>
+              </a:fillRef>
+              <a:effectRef idx="0">
+                <a:schemeClr val="accent1"/>
+              </a:effectRef>
+              <a:fontRef idx="minor">
+                <a:schemeClr val="tx1"/>
+              </a:fontRef>
+            </p:style>
+          </p:cxnSp>
+        </p:grpSp>
+        <p:sp>
+          <p:nvSpPr>
+            <p:cNvPr id="59" name="Textfeld 58">
+              <a:extLst>
+                <a:ext uri="{FF2B5EF4-FFF2-40B4-BE49-F238E27FC236}">
+                  <a16:creationId xmlns:a16="http://schemas.microsoft.com/office/drawing/2014/main" id="{1CD4E1AF-7E91-47E2-A891-747358EC6B20}"/>
+                </a:ext>
+              </a:extLst>
+            </p:cNvPr>
+            <p:cNvSpPr txBox="1"/>
+            <p:nvPr/>
+          </p:nvSpPr>
+          <p:spPr>
+            <a:xfrm>
+              <a:off x="8933807" y="2891020"/>
+              <a:ext cx="284052" cy="276999"/>
+            </a:xfrm>
+            <a:prstGeom prst="rect">
+              <a:avLst/>
+            </a:prstGeom>
+            <a:noFill/>
+          </p:spPr>
+          <p:txBody>
+            <a:bodyPr wrap="none" rtlCol="0">
+              <a:spAutoFit/>
+            </a:bodyPr>
+            <a:lstStyle/>
+            <a:p>
+              <a:r>
+                <a:rPr lang="de-DE" sz="1200" dirty="0"/>
+                <a:t>N</a:t>
+              </a:r>
+            </a:p>
+          </p:txBody>
+        </p:sp>
+        <p:sp>
+          <p:nvSpPr>
+            <p:cNvPr id="60" name="Textfeld 59">
+              <a:extLst>
+                <a:ext uri="{FF2B5EF4-FFF2-40B4-BE49-F238E27FC236}">
+                  <a16:creationId xmlns:a16="http://schemas.microsoft.com/office/drawing/2014/main" id="{2D3A3F0E-4BC9-478E-8AA4-D4340E983E12}"/>
+                </a:ext>
+              </a:extLst>
+            </p:cNvPr>
+            <p:cNvSpPr txBox="1"/>
+            <p:nvPr/>
+          </p:nvSpPr>
+          <p:spPr>
+            <a:xfrm>
+              <a:off x="9598975" y="1019248"/>
+              <a:ext cx="255198" cy="276999"/>
+            </a:xfrm>
+            <a:prstGeom prst="rect">
+              <a:avLst/>
+            </a:prstGeom>
+            <a:noFill/>
+          </p:spPr>
+          <p:txBody>
+            <a:bodyPr wrap="none" rtlCol="0">
+              <a:spAutoFit/>
+            </a:bodyPr>
+            <a:lstStyle/>
+            <a:p>
+              <a:r>
+                <a:rPr lang="de-DE" sz="1200" dirty="0"/>
+                <a:t>S</a:t>
+              </a:r>
+            </a:p>
+          </p:txBody>
+        </p:sp>
+      </p:grpSp>
+      <p:graphicFrame>
+        <p:nvGraphicFramePr>
+          <p:cNvPr id="63" name="Diagramm 62">
+            <a:extLst>
+              <a:ext uri="{FF2B5EF4-FFF2-40B4-BE49-F238E27FC236}">
+                <a16:creationId xmlns:a16="http://schemas.microsoft.com/office/drawing/2014/main" id="{75720492-A8D3-439A-8C3B-5C91C7101A1A}"/>
+              </a:ext>
+            </a:extLst>
+          </p:cNvPr>
+          <p:cNvGraphicFramePr>
+            <a:graphicFrameLocks/>
+          </p:cNvGraphicFramePr>
+          <p:nvPr>
+            <p:extLst>
+              <p:ext uri="{D42A27DB-BD31-4B8C-83A1-F6EECF244321}">
+                <p14:modId xmlns:p14="http://schemas.microsoft.com/office/powerpoint/2010/main" val="1604768225"/>
+              </p:ext>
+            </p:extLst>
+          </p:nvPr>
+        </p:nvGraphicFramePr>
+        <p:xfrm>
+          <a:off x="546796" y="3591463"/>
+          <a:ext cx="4572000" cy="2743200"/>
+        </p:xfrm>
+        <a:graphic>
+          <a:graphicData uri="http://schemas.openxmlformats.org/drawingml/2006/chart">
+            <c:chart xmlns:c="http://schemas.openxmlformats.org/drawingml/2006/chart" xmlns:r="http://schemas.openxmlformats.org/officeDocument/2006/relationships" r:id="rId2"/>
+          </a:graphicData>
+        </a:graphic>
+      </p:graphicFrame>
+      <p:cxnSp>
+        <p:nvCxnSpPr>
+          <p:cNvPr id="67" name="Gerader Verbinder 66">
+            <a:extLst>
+              <a:ext uri="{FF2B5EF4-FFF2-40B4-BE49-F238E27FC236}">
+                <a16:creationId xmlns:a16="http://schemas.microsoft.com/office/drawing/2014/main" id="{5FA724DB-0144-4300-B5AF-66E25F222309}"/>
+              </a:ext>
+            </a:extLst>
+          </p:cNvPr>
+          <p:cNvCxnSpPr>
+            <a:cxnSpLocks/>
+          </p:cNvCxnSpPr>
+          <p:nvPr/>
+        </p:nvCxnSpPr>
+        <p:spPr>
+          <a:xfrm>
+            <a:off x="2939141" y="3429000"/>
+            <a:ext cx="0" cy="2905663"/>
+          </a:xfrm>
+          <a:prstGeom prst="line">
+            <a:avLst/>
+          </a:prstGeom>
+        </p:spPr>
+        <p:style>
+          <a:lnRef idx="1">
+            <a:schemeClr val="accent1"/>
+          </a:lnRef>
+          <a:fillRef idx="0">
+            <a:schemeClr val="accent1"/>
+          </a:fillRef>
+          <a:effectRef idx="0">
+            <a:schemeClr val="accent1"/>
+          </a:effectRef>
+          <a:fontRef idx="minor">
+            <a:schemeClr val="tx1"/>
+          </a:fontRef>
+        </p:style>
+      </p:cxnSp>
+      <p:cxnSp>
+        <p:nvCxnSpPr>
+          <p:cNvPr id="69" name="Gerader Verbinder 68">
+            <a:extLst>
+              <a:ext uri="{FF2B5EF4-FFF2-40B4-BE49-F238E27FC236}">
+                <a16:creationId xmlns:a16="http://schemas.microsoft.com/office/drawing/2014/main" id="{5536B4F0-7083-4BFC-BD63-834EAE5FFAA0}"/>
+              </a:ext>
+            </a:extLst>
+          </p:cNvPr>
+          <p:cNvCxnSpPr>
+            <a:cxnSpLocks/>
+          </p:cNvCxnSpPr>
+          <p:nvPr/>
+        </p:nvCxnSpPr>
+        <p:spPr>
+          <a:xfrm>
+            <a:off x="894303" y="4953837"/>
+            <a:ext cx="4085634" cy="0"/>
+          </a:xfrm>
+          <a:prstGeom prst="line">
+            <a:avLst/>
+          </a:prstGeom>
+        </p:spPr>
+        <p:style>
+          <a:lnRef idx="1">
+            <a:schemeClr val="accent1"/>
+          </a:lnRef>
+          <a:fillRef idx="0">
+            <a:schemeClr val="accent1"/>
+          </a:fillRef>
+          <a:effectRef idx="0">
+            <a:schemeClr val="accent1"/>
+          </a:effectRef>
+          <a:fontRef idx="minor">
+            <a:schemeClr val="tx1"/>
+          </a:fontRef>
+        </p:style>
+      </p:cxnSp>
+      <p:sp>
+        <p:nvSpPr>
+          <p:cNvPr id="72" name="Textfeld 71">
+            <a:extLst>
+              <a:ext uri="{FF2B5EF4-FFF2-40B4-BE49-F238E27FC236}">
+                <a16:creationId xmlns:a16="http://schemas.microsoft.com/office/drawing/2014/main" id="{0346CD5A-7446-454C-8C4E-07C3156406E0}"/>
+              </a:ext>
+            </a:extLst>
+          </p:cNvPr>
+          <p:cNvSpPr txBox="1"/>
+          <p:nvPr/>
+        </p:nvSpPr>
+        <p:spPr>
+          <a:xfrm rot="16200000">
+            <a:off x="-94096" y="4743332"/>
+            <a:ext cx="1075294" cy="276999"/>
+          </a:xfrm>
+          <a:prstGeom prst="rect">
+            <a:avLst/>
+          </a:prstGeom>
+          <a:noFill/>
+        </p:spPr>
+        <p:txBody>
+          <a:bodyPr wrap="none" rtlCol="0">
+            <a:spAutoFit/>
+          </a:bodyPr>
+          <a:lstStyle/>
+          <a:p>
+            <a:r>
+              <a:rPr lang="de-DE" sz="1200" dirty="0" err="1"/>
+              <a:t>advance</a:t>
+            </a:r>
+            <a:r>
+              <a:rPr lang="de-DE" sz="1200" dirty="0"/>
+              <a:t> angle</a:t>
+            </a:r>
+          </a:p>
+        </p:txBody>
+      </p:sp>
+      <p:sp>
+        <p:nvSpPr>
+          <p:cNvPr id="73" name="Textfeld 72">
+            <a:extLst>
+              <a:ext uri="{FF2B5EF4-FFF2-40B4-BE49-F238E27FC236}">
+                <a16:creationId xmlns:a16="http://schemas.microsoft.com/office/drawing/2014/main" id="{A5137F18-DCEB-419A-9621-1B28C4AD3902}"/>
+              </a:ext>
+            </a:extLst>
+          </p:cNvPr>
+          <p:cNvSpPr txBox="1"/>
+          <p:nvPr/>
+        </p:nvSpPr>
+        <p:spPr>
+          <a:xfrm>
+            <a:off x="3867927" y="4743331"/>
+            <a:ext cx="1088375" cy="276999"/>
+          </a:xfrm>
+          <a:prstGeom prst="rect">
+            <a:avLst/>
+          </a:prstGeom>
+          <a:noFill/>
+        </p:spPr>
+        <p:txBody>
+          <a:bodyPr wrap="none" rtlCol="0">
+            <a:spAutoFit/>
+          </a:bodyPr>
+          <a:lstStyle/>
+          <a:p>
+            <a:r>
+              <a:rPr lang="de-DE" sz="1200" dirty="0" err="1"/>
+              <a:t>control</a:t>
+            </a:r>
+            <a:r>
+              <a:rPr lang="de-DE" sz="1200" dirty="0"/>
+              <a:t> </a:t>
+            </a:r>
+            <a:r>
+              <a:rPr lang="de-DE" sz="1200" dirty="0" err="1"/>
+              <a:t>output</a:t>
+            </a:r>
+            <a:endParaRPr lang="de-DE" sz="1200" dirty="0"/>
+          </a:p>
+        </p:txBody>
+      </p:sp>
+      <p:sp>
+        <p:nvSpPr>
+          <p:cNvPr id="74" name="Ellipse 73">
+            <a:extLst>
+              <a:ext uri="{FF2B5EF4-FFF2-40B4-BE49-F238E27FC236}">
+                <a16:creationId xmlns:a16="http://schemas.microsoft.com/office/drawing/2014/main" id="{B0DD83FE-04FB-4D5B-ACE6-2A15993CCCBD}"/>
+              </a:ext>
+            </a:extLst>
+          </p:cNvPr>
+          <p:cNvSpPr/>
+          <p:nvPr/>
+        </p:nvSpPr>
+        <p:spPr>
+          <a:xfrm>
+            <a:off x="7740777" y="4712298"/>
+            <a:ext cx="121640" cy="134224"/>
+          </a:xfrm>
+          <a:prstGeom prst="ellipse">
+            <a:avLst/>
+          </a:prstGeom>
+          <a:noFill/>
+        </p:spPr>
+        <p:style>
+          <a:lnRef idx="2">
+            <a:schemeClr val="accent1">
+              <a:shade val="50000"/>
+            </a:schemeClr>
+          </a:lnRef>
+          <a:fillRef idx="1">
+            <a:schemeClr val="accent1"/>
+          </a:fillRef>
+          <a:effectRef idx="0">
+            <a:schemeClr val="accent1"/>
+          </a:effectRef>
+          <a:fontRef idx="minor">
+            <a:schemeClr val="lt1"/>
+          </a:fontRef>
+        </p:style>
+        <p:txBody>
+          <a:bodyPr rtlCol="0" anchor="ctr"/>
+          <a:lstStyle/>
+          <a:p>
+            <a:pPr algn="ctr"/>
+            <a:endParaRPr lang="de-DE"/>
+          </a:p>
+        </p:txBody>
+      </p:sp>
+      <p:grpSp>
+        <p:nvGrpSpPr>
+          <p:cNvPr id="95" name="Gruppieren 94">
+            <a:extLst>
+              <a:ext uri="{FF2B5EF4-FFF2-40B4-BE49-F238E27FC236}">
+                <a16:creationId xmlns:a16="http://schemas.microsoft.com/office/drawing/2014/main" id="{54B628EA-512B-401A-AAC0-46772A308D6A}"/>
+              </a:ext>
+            </a:extLst>
+          </p:cNvPr>
+          <p:cNvGrpSpPr/>
+          <p:nvPr/>
+        </p:nvGrpSpPr>
+        <p:grpSpPr>
+          <a:xfrm>
+            <a:off x="7167789" y="3391270"/>
+            <a:ext cx="1232204" cy="2682910"/>
+            <a:chOff x="7167789" y="3391270"/>
+            <a:chExt cx="1232204" cy="2682910"/>
+          </a:xfrm>
+        </p:grpSpPr>
+        <p:grpSp>
+          <p:nvGrpSpPr>
+            <p:cNvPr id="94" name="Gruppieren 93">
+              <a:extLst>
+                <a:ext uri="{FF2B5EF4-FFF2-40B4-BE49-F238E27FC236}">
+                  <a16:creationId xmlns:a16="http://schemas.microsoft.com/office/drawing/2014/main" id="{8672CDA3-BB0A-48EF-BED6-57079E708D2D}"/>
+                </a:ext>
+              </a:extLst>
+            </p:cNvPr>
+            <p:cNvGrpSpPr/>
+            <p:nvPr/>
+          </p:nvGrpSpPr>
+          <p:grpSpPr>
+            <a:xfrm rot="1151656">
+              <a:off x="7167789" y="3391270"/>
+              <a:ext cx="1232204" cy="2682910"/>
+              <a:chOff x="9860661" y="3848518"/>
+              <a:chExt cx="1232204" cy="2682910"/>
+            </a:xfrm>
+          </p:grpSpPr>
+          <p:sp>
+            <p:nvSpPr>
+              <p:cNvPr id="88" name="Ellipse 87">
+                <a:extLst>
+                  <a:ext uri="{FF2B5EF4-FFF2-40B4-BE49-F238E27FC236}">
+                    <a16:creationId xmlns:a16="http://schemas.microsoft.com/office/drawing/2014/main" id="{17FCAE1D-2BC0-42AC-9622-052E469CF68C}"/>
+                  </a:ext>
+                </a:extLst>
+              </p:cNvPr>
+              <p:cNvSpPr/>
+              <p:nvPr/>
+            </p:nvSpPr>
+            <p:spPr>
+              <a:xfrm>
+                <a:off x="10064923" y="4680640"/>
+                <a:ext cx="823680" cy="1155939"/>
+              </a:xfrm>
+              <a:prstGeom prst="ellipse">
+                <a:avLst/>
+              </a:prstGeom>
+              <a:noFill/>
+              <a:ln>
+                <a:solidFill>
+                  <a:schemeClr val="bg1">
+                    <a:lumMod val="75000"/>
+                  </a:schemeClr>
+                </a:solidFill>
+              </a:ln>
+            </p:spPr>
+            <p:style>
+              <a:lnRef idx="2">
+                <a:schemeClr val="accent1">
+                  <a:shade val="50000"/>
+                </a:schemeClr>
+              </a:lnRef>
+              <a:fillRef idx="1">
+                <a:schemeClr val="accent1"/>
+              </a:fillRef>
+              <a:effectRef idx="0">
+                <a:schemeClr val="accent1"/>
+              </a:effectRef>
+              <a:fontRef idx="minor">
+                <a:schemeClr val="lt1"/>
+              </a:fontRef>
+            </p:style>
+            <p:txBody>
+              <a:bodyPr rtlCol="0" anchor="ctr"/>
+              <a:lstStyle/>
+              <a:p>
+                <a:pPr algn="ctr"/>
+                <a:endParaRPr lang="de-DE"/>
+              </a:p>
+            </p:txBody>
+          </p:sp>
+          <p:sp>
+            <p:nvSpPr>
+              <p:cNvPr id="89" name="Ellipse 88">
+                <a:extLst>
+                  <a:ext uri="{FF2B5EF4-FFF2-40B4-BE49-F238E27FC236}">
+                    <a16:creationId xmlns:a16="http://schemas.microsoft.com/office/drawing/2014/main" id="{84A0F7E7-BF01-4E8C-A3A3-2491C6852317}"/>
+                  </a:ext>
+                </a:extLst>
+              </p:cNvPr>
+              <p:cNvSpPr/>
+              <p:nvPr/>
+            </p:nvSpPr>
+            <p:spPr>
+              <a:xfrm>
+                <a:off x="9981044" y="4496584"/>
+                <a:ext cx="991438" cy="1524053"/>
+              </a:xfrm>
+              <a:prstGeom prst="ellipse">
+                <a:avLst/>
+              </a:prstGeom>
+              <a:noFill/>
+              <a:ln>
+                <a:solidFill>
+                  <a:schemeClr val="bg1">
+                    <a:lumMod val="75000"/>
+                  </a:schemeClr>
+                </a:solidFill>
+              </a:ln>
+            </p:spPr>
+            <p:style>
+              <a:lnRef idx="2">
+                <a:schemeClr val="accent1">
+                  <a:shade val="50000"/>
+                </a:schemeClr>
+              </a:lnRef>
+              <a:fillRef idx="1">
+                <a:schemeClr val="accent1"/>
+              </a:fillRef>
+              <a:effectRef idx="0">
+                <a:schemeClr val="accent1"/>
+              </a:effectRef>
+              <a:fontRef idx="minor">
+                <a:schemeClr val="lt1"/>
+              </a:fontRef>
+            </p:style>
+            <p:txBody>
+              <a:bodyPr rtlCol="0" anchor="ctr"/>
+              <a:lstStyle/>
+              <a:p>
+                <a:pPr algn="ctr"/>
+                <a:endParaRPr lang="de-DE"/>
+              </a:p>
+            </p:txBody>
+          </p:sp>
+          <p:sp>
+            <p:nvSpPr>
+              <p:cNvPr id="90" name="Ellipse 89">
+                <a:extLst>
+                  <a:ext uri="{FF2B5EF4-FFF2-40B4-BE49-F238E27FC236}">
+                    <a16:creationId xmlns:a16="http://schemas.microsoft.com/office/drawing/2014/main" id="{F57C37AF-F4DB-402F-8178-E412374BD1B5}"/>
+                  </a:ext>
+                </a:extLst>
+              </p:cNvPr>
+              <p:cNvSpPr/>
+              <p:nvPr/>
+            </p:nvSpPr>
+            <p:spPr>
+              <a:xfrm>
+                <a:off x="9860661" y="4305720"/>
+                <a:ext cx="1232204" cy="1820120"/>
+              </a:xfrm>
+              <a:prstGeom prst="ellipse">
+                <a:avLst/>
+              </a:prstGeom>
+              <a:noFill/>
+              <a:ln>
+                <a:solidFill>
+                  <a:schemeClr val="bg1">
+                    <a:lumMod val="75000"/>
+                  </a:schemeClr>
+                </a:solidFill>
+              </a:ln>
+            </p:spPr>
+            <p:style>
+              <a:lnRef idx="2">
+                <a:schemeClr val="accent1">
+                  <a:shade val="50000"/>
+                </a:schemeClr>
+              </a:lnRef>
+              <a:fillRef idx="1">
+                <a:schemeClr val="accent1"/>
+              </a:fillRef>
+              <a:effectRef idx="0">
+                <a:schemeClr val="accent1"/>
+              </a:effectRef>
+              <a:fontRef idx="minor">
+                <a:schemeClr val="lt1"/>
+              </a:fontRef>
+            </p:style>
+            <p:txBody>
+              <a:bodyPr rtlCol="0" anchor="ctr"/>
+              <a:lstStyle/>
+              <a:p>
+                <a:pPr algn="ctr"/>
+                <a:endParaRPr lang="de-DE"/>
+              </a:p>
+            </p:txBody>
+          </p:sp>
+          <p:sp>
+            <p:nvSpPr>
+              <p:cNvPr id="93" name="Rechteck 92">
+                <a:extLst>
+                  <a:ext uri="{FF2B5EF4-FFF2-40B4-BE49-F238E27FC236}">
+                    <a16:creationId xmlns:a16="http://schemas.microsoft.com/office/drawing/2014/main" id="{915D0E69-9DE8-43DF-A281-037C4FD291C5}"/>
+                  </a:ext>
+                </a:extLst>
+              </p:cNvPr>
+              <p:cNvSpPr/>
+              <p:nvPr/>
+            </p:nvSpPr>
+            <p:spPr>
+              <a:xfrm>
+                <a:off x="10412651" y="3848518"/>
+                <a:ext cx="190130" cy="2682910"/>
+              </a:xfrm>
+              <a:prstGeom prst="rect">
+                <a:avLst/>
+              </a:prstGeom>
+              <a:solidFill>
+                <a:schemeClr val="bg1"/>
+              </a:solidFill>
+              <a:ln>
+                <a:noFill/>
+              </a:ln>
+            </p:spPr>
+            <p:style>
+              <a:lnRef idx="2">
+                <a:schemeClr val="accent1">
+                  <a:shade val="50000"/>
+                </a:schemeClr>
+              </a:lnRef>
+              <a:fillRef idx="1">
+                <a:schemeClr val="accent1"/>
+              </a:fillRef>
+              <a:effectRef idx="0">
+                <a:schemeClr val="accent1"/>
+              </a:effectRef>
+              <a:fontRef idx="minor">
+                <a:schemeClr val="lt1"/>
+              </a:fontRef>
+            </p:style>
+            <p:txBody>
+              <a:bodyPr rtlCol="0" anchor="ctr"/>
+              <a:lstStyle/>
+              <a:p>
+                <a:pPr algn="ctr"/>
+                <a:endParaRPr lang="de-DE"/>
+              </a:p>
+            </p:txBody>
+          </p:sp>
+        </p:grpSp>
+        <p:grpSp>
+          <p:nvGrpSpPr>
+            <p:cNvPr id="80" name="Gruppieren 79">
+              <a:extLst>
+                <a:ext uri="{FF2B5EF4-FFF2-40B4-BE49-F238E27FC236}">
+                  <a16:creationId xmlns:a16="http://schemas.microsoft.com/office/drawing/2014/main" id="{7F8FB6E3-678F-41BA-8E9D-6DD40C85CC68}"/>
+                </a:ext>
+              </a:extLst>
+            </p:cNvPr>
+            <p:cNvGrpSpPr/>
+            <p:nvPr/>
+          </p:nvGrpSpPr>
+          <p:grpSpPr>
+            <a:xfrm>
+              <a:off x="7336155" y="3720067"/>
+              <a:ext cx="920366" cy="2148771"/>
+              <a:chOff x="8933807" y="1019248"/>
+              <a:chExt cx="920366" cy="2148771"/>
+            </a:xfrm>
+          </p:grpSpPr>
+          <p:grpSp>
+            <p:nvGrpSpPr>
+              <p:cNvPr id="81" name="Gruppieren 80">
+                <a:extLst>
+                  <a:ext uri="{FF2B5EF4-FFF2-40B4-BE49-F238E27FC236}">
+                    <a16:creationId xmlns:a16="http://schemas.microsoft.com/office/drawing/2014/main" id="{46F7DEE9-F3DF-44C4-A2F7-33CF5CFAECF7}"/>
+                  </a:ext>
+                </a:extLst>
+              </p:cNvPr>
+              <p:cNvGrpSpPr/>
+              <p:nvPr/>
+            </p:nvGrpSpPr>
+            <p:grpSpPr>
+              <a:xfrm rot="1762345">
+                <a:off x="9230772" y="1189028"/>
+                <a:ext cx="339754" cy="1781934"/>
+                <a:chOff x="4992850" y="1853273"/>
+                <a:chExt cx="339754" cy="1161876"/>
+              </a:xfrm>
+            </p:grpSpPr>
+            <p:cxnSp>
+              <p:nvCxnSpPr>
+                <p:cNvPr id="84" name="Gerader Verbinder 83">
+                  <a:extLst>
+                    <a:ext uri="{FF2B5EF4-FFF2-40B4-BE49-F238E27FC236}">
+                      <a16:creationId xmlns:a16="http://schemas.microsoft.com/office/drawing/2014/main" id="{2E38FFAD-4DF8-466D-99D3-83D5B0FC69FB}"/>
+                    </a:ext>
+                  </a:extLst>
+                </p:cNvPr>
+                <p:cNvCxnSpPr>
+                  <a:cxnSpLocks/>
+                </p:cNvCxnSpPr>
+                <p:nvPr/>
+              </p:nvCxnSpPr>
+              <p:spPr>
+                <a:xfrm>
+                  <a:off x="4992850" y="1853273"/>
+                  <a:ext cx="169877" cy="580938"/>
+                </a:xfrm>
+                <a:prstGeom prst="line">
+                  <a:avLst/>
+                </a:prstGeom>
+                <a:ln w="76200">
+                  <a:solidFill>
+                    <a:schemeClr val="tx2">
+                      <a:lumMod val="40000"/>
+                      <a:lumOff val="60000"/>
+                    </a:schemeClr>
+                  </a:solidFill>
+                </a:ln>
+              </p:spPr>
+              <p:style>
+                <a:lnRef idx="1">
+                  <a:schemeClr val="accent1"/>
+                </a:lnRef>
+                <a:fillRef idx="0">
+                  <a:schemeClr val="accent1"/>
+                </a:fillRef>
+                <a:effectRef idx="0">
+                  <a:schemeClr val="accent1"/>
+                </a:effectRef>
+                <a:fontRef idx="minor">
+                  <a:schemeClr val="tx1"/>
+                </a:fontRef>
+              </p:style>
+            </p:cxnSp>
+            <p:cxnSp>
+              <p:nvCxnSpPr>
+                <p:cNvPr id="85" name="Gerader Verbinder 84">
+                  <a:extLst>
+                    <a:ext uri="{FF2B5EF4-FFF2-40B4-BE49-F238E27FC236}">
+                      <a16:creationId xmlns:a16="http://schemas.microsoft.com/office/drawing/2014/main" id="{5CB44D67-8559-4039-842A-E1F9A19FE4A5}"/>
+                    </a:ext>
+                  </a:extLst>
+                </p:cNvPr>
+                <p:cNvCxnSpPr>
+                  <a:cxnSpLocks/>
+                </p:cNvCxnSpPr>
+                <p:nvPr/>
+              </p:nvCxnSpPr>
+              <p:spPr>
+                <a:xfrm>
+                  <a:off x="5162727" y="2434211"/>
+                  <a:ext cx="169877" cy="580938"/>
+                </a:xfrm>
+                <a:prstGeom prst="line">
+                  <a:avLst/>
+                </a:prstGeom>
+                <a:ln w="76200">
+                  <a:solidFill>
+                    <a:srgbClr val="FFC000"/>
+                  </a:solidFill>
+                </a:ln>
+              </p:spPr>
+              <p:style>
+                <a:lnRef idx="1">
+                  <a:schemeClr val="accent1"/>
+                </a:lnRef>
+                <a:fillRef idx="0">
+                  <a:schemeClr val="accent1"/>
+                </a:fillRef>
+                <a:effectRef idx="0">
+                  <a:schemeClr val="accent1"/>
+                </a:effectRef>
+                <a:fontRef idx="minor">
+                  <a:schemeClr val="tx1"/>
+                </a:fontRef>
+              </p:style>
+            </p:cxnSp>
+          </p:grpSp>
+          <p:sp>
+            <p:nvSpPr>
+              <p:cNvPr id="82" name="Textfeld 81">
+                <a:extLst>
+                  <a:ext uri="{FF2B5EF4-FFF2-40B4-BE49-F238E27FC236}">
+                    <a16:creationId xmlns:a16="http://schemas.microsoft.com/office/drawing/2014/main" id="{92DF9754-D8C5-4228-B48B-A47C779F7878}"/>
+                  </a:ext>
+                </a:extLst>
+              </p:cNvPr>
+              <p:cNvSpPr txBox="1"/>
+              <p:nvPr/>
+            </p:nvSpPr>
+            <p:spPr>
+              <a:xfrm>
+                <a:off x="8933807" y="2891020"/>
+                <a:ext cx="284052" cy="276999"/>
+              </a:xfrm>
+              <a:prstGeom prst="rect">
+                <a:avLst/>
+              </a:prstGeom>
+              <a:noFill/>
+            </p:spPr>
+            <p:txBody>
+              <a:bodyPr wrap="none" rtlCol="0">
+                <a:spAutoFit/>
+              </a:bodyPr>
+              <a:lstStyle/>
+              <a:p>
+                <a:r>
+                  <a:rPr lang="de-DE" sz="1200" dirty="0"/>
+                  <a:t>N</a:t>
+                </a:r>
+              </a:p>
+            </p:txBody>
+          </p:sp>
+          <p:sp>
+            <p:nvSpPr>
+              <p:cNvPr id="83" name="Textfeld 82">
+                <a:extLst>
+                  <a:ext uri="{FF2B5EF4-FFF2-40B4-BE49-F238E27FC236}">
+                    <a16:creationId xmlns:a16="http://schemas.microsoft.com/office/drawing/2014/main" id="{D7F70855-C357-4B36-97CD-40C9A469F99A}"/>
+                  </a:ext>
+                </a:extLst>
+              </p:cNvPr>
+              <p:cNvSpPr txBox="1"/>
+              <p:nvPr/>
+            </p:nvSpPr>
+            <p:spPr>
+              <a:xfrm>
+                <a:off x="9598975" y="1019248"/>
+                <a:ext cx="255198" cy="276999"/>
+              </a:xfrm>
+              <a:prstGeom prst="rect">
+                <a:avLst/>
+              </a:prstGeom>
+              <a:noFill/>
+            </p:spPr>
+            <p:txBody>
+              <a:bodyPr wrap="none" rtlCol="0">
+                <a:spAutoFit/>
+              </a:bodyPr>
+              <a:lstStyle/>
+              <a:p>
+                <a:r>
+                  <a:rPr lang="de-DE" sz="1200" dirty="0"/>
+                  <a:t>S</a:t>
+                </a:r>
+              </a:p>
+            </p:txBody>
+          </p:sp>
+        </p:grpSp>
+      </p:grpSp>
+      <p:grpSp>
+        <p:nvGrpSpPr>
+          <p:cNvPr id="75" name="Gruppieren 74">
+            <a:extLst>
+              <a:ext uri="{FF2B5EF4-FFF2-40B4-BE49-F238E27FC236}">
+                <a16:creationId xmlns:a16="http://schemas.microsoft.com/office/drawing/2014/main" id="{2CBD9F38-57AE-40DE-A2A4-1AFA85BEC6C9}"/>
+              </a:ext>
+            </a:extLst>
+          </p:cNvPr>
+          <p:cNvGrpSpPr/>
+          <p:nvPr/>
+        </p:nvGrpSpPr>
+        <p:grpSpPr>
+          <a:xfrm>
+            <a:off x="7441465" y="4002238"/>
+            <a:ext cx="697070" cy="1561113"/>
+            <a:chOff x="9039117" y="1301419"/>
+            <a:chExt cx="697070" cy="1561113"/>
+          </a:xfrm>
+        </p:grpSpPr>
+        <p:cxnSp>
+          <p:nvCxnSpPr>
+            <p:cNvPr id="76" name="Gerader Verbinder 75">
+              <a:extLst>
+                <a:ext uri="{FF2B5EF4-FFF2-40B4-BE49-F238E27FC236}">
+                  <a16:creationId xmlns:a16="http://schemas.microsoft.com/office/drawing/2014/main" id="{6A62A61B-AB0F-4FC9-A777-DB64E0B0636D}"/>
+                </a:ext>
+              </a:extLst>
+            </p:cNvPr>
+            <p:cNvCxnSpPr>
+              <a:cxnSpLocks/>
+            </p:cNvCxnSpPr>
+            <p:nvPr/>
+          </p:nvCxnSpPr>
+          <p:spPr>
+            <a:xfrm>
+              <a:off x="9229372" y="1497653"/>
+              <a:ext cx="169877" cy="580938"/>
+            </a:xfrm>
+            <a:prstGeom prst="line">
+              <a:avLst/>
+            </a:prstGeom>
+            <a:ln w="76200">
+              <a:solidFill>
+                <a:schemeClr val="bg1">
+                  <a:lumMod val="85000"/>
+                </a:schemeClr>
+              </a:solidFill>
+            </a:ln>
+          </p:spPr>
+          <p:style>
+            <a:lnRef idx="1">
+              <a:schemeClr val="accent1"/>
+            </a:lnRef>
+            <a:fillRef idx="0">
+              <a:schemeClr val="accent1"/>
+            </a:fillRef>
+            <a:effectRef idx="0">
+              <a:schemeClr val="accent1"/>
+            </a:effectRef>
+            <a:fontRef idx="minor">
+              <a:schemeClr val="tx1"/>
+            </a:fontRef>
+          </p:style>
+        </p:cxnSp>
+        <p:cxnSp>
+          <p:nvCxnSpPr>
+            <p:cNvPr id="77" name="Gerader Verbinder 76">
+              <a:extLst>
+                <a:ext uri="{FF2B5EF4-FFF2-40B4-BE49-F238E27FC236}">
+                  <a16:creationId xmlns:a16="http://schemas.microsoft.com/office/drawing/2014/main" id="{5133F3BA-ED7C-4C7F-BBCF-3871AB649BB0}"/>
+                </a:ext>
+              </a:extLst>
+            </p:cNvPr>
+            <p:cNvCxnSpPr>
+              <a:cxnSpLocks/>
+            </p:cNvCxnSpPr>
+            <p:nvPr/>
+          </p:nvCxnSpPr>
+          <p:spPr>
+            <a:xfrm>
+              <a:off x="9399249" y="2078591"/>
+              <a:ext cx="169877" cy="580938"/>
+            </a:xfrm>
+            <a:prstGeom prst="line">
+              <a:avLst/>
+            </a:prstGeom>
+            <a:ln w="76200">
+              <a:solidFill>
+                <a:srgbClr val="C00000"/>
+              </a:solidFill>
+            </a:ln>
+          </p:spPr>
+          <p:style>
+            <a:lnRef idx="1">
+              <a:schemeClr val="accent1"/>
+            </a:lnRef>
+            <a:fillRef idx="0">
+              <a:schemeClr val="accent1"/>
+            </a:fillRef>
+            <a:effectRef idx="0">
+              <a:schemeClr val="accent1"/>
+            </a:effectRef>
+            <a:fontRef idx="minor">
+              <a:schemeClr val="tx1"/>
+            </a:fontRef>
+          </p:style>
+        </p:cxnSp>
+        <p:sp>
+          <p:nvSpPr>
+            <p:cNvPr id="78" name="Textfeld 77">
+              <a:extLst>
+                <a:ext uri="{FF2B5EF4-FFF2-40B4-BE49-F238E27FC236}">
+                  <a16:creationId xmlns:a16="http://schemas.microsoft.com/office/drawing/2014/main" id="{B8C1D143-309E-4666-86C1-457505640854}"/>
+                </a:ext>
+              </a:extLst>
+            </p:cNvPr>
+            <p:cNvSpPr txBox="1"/>
+            <p:nvPr/>
+          </p:nvSpPr>
+          <p:spPr>
+            <a:xfrm>
+              <a:off x="9480989" y="2585533"/>
+              <a:ext cx="255198" cy="276999"/>
+            </a:xfrm>
+            <a:prstGeom prst="rect">
+              <a:avLst/>
+            </a:prstGeom>
+            <a:noFill/>
+          </p:spPr>
+          <p:txBody>
+            <a:bodyPr wrap="none" rtlCol="0">
+              <a:spAutoFit/>
+            </a:bodyPr>
+            <a:lstStyle/>
+            <a:p>
+              <a:r>
+                <a:rPr lang="de-DE" sz="1200" dirty="0"/>
+                <a:t>S</a:t>
+              </a:r>
+            </a:p>
+          </p:txBody>
+        </p:sp>
+        <p:sp>
+          <p:nvSpPr>
+            <p:cNvPr id="79" name="Textfeld 78">
+              <a:extLst>
+                <a:ext uri="{FF2B5EF4-FFF2-40B4-BE49-F238E27FC236}">
+                  <a16:creationId xmlns:a16="http://schemas.microsoft.com/office/drawing/2014/main" id="{F3256E73-FEEF-4A27-B154-EDD6E94502D9}"/>
+                </a:ext>
+              </a:extLst>
+            </p:cNvPr>
+            <p:cNvSpPr txBox="1"/>
+            <p:nvPr/>
+          </p:nvSpPr>
+          <p:spPr>
+            <a:xfrm>
+              <a:off x="9039117" y="1301419"/>
+              <a:ext cx="284052" cy="276999"/>
+            </a:xfrm>
+            <a:prstGeom prst="rect">
+              <a:avLst/>
+            </a:prstGeom>
+            <a:noFill/>
+          </p:spPr>
+          <p:txBody>
+            <a:bodyPr wrap="none" rtlCol="0">
+              <a:spAutoFit/>
+            </a:bodyPr>
+            <a:lstStyle/>
+            <a:p>
+              <a:r>
+                <a:rPr lang="de-DE" sz="1200" dirty="0"/>
+                <a:t>N</a:t>
+              </a:r>
+            </a:p>
+          </p:txBody>
+        </p:sp>
+      </p:grpSp>
     </p:spTree>
     <p:extLst>
       <p:ext uri="{BB962C8B-B14F-4D97-AF65-F5344CB8AC3E}">
@@ -4218,6 +6850,172 @@
   <p:clrMapOvr>
     <a:masterClrMapping/>
   </p:clrMapOvr>
+  <p:timing>
+    <p:tnLst>
+      <p:par>
+        <p:cTn id="1" dur="indefinite" restart="never" nodeType="tmRoot">
+          <p:childTnLst>
+            <p:seq concurrent="1" nextAc="seek">
+              <p:cTn id="2" dur="indefinite" nodeType="mainSeq">
+                <p:childTnLst>
+                  <p:par>
+                    <p:cTn id="3" fill="hold">
+                      <p:stCondLst>
+                        <p:cond delay="indefinite"/>
+                      </p:stCondLst>
+                      <p:childTnLst>
+                        <p:par>
+                          <p:cTn id="4" fill="hold">
+                            <p:stCondLst>
+                              <p:cond delay="0"/>
+                            </p:stCondLst>
+                            <p:childTnLst>
+                              <p:par>
+                                <p:cTn id="5" presetID="8" presetClass="emph" presetSubtype="0" fill="hold" nodeType="clickEffect">
+                                  <p:stCondLst>
+                                    <p:cond delay="0"/>
+                                  </p:stCondLst>
+                                  <p:childTnLst>
+                                    <p:animRot by="-1800000">
+                                      <p:cBhvr>
+                                        <p:cTn id="6" dur="1000" fill="hold"/>
+                                        <p:tgtEl>
+                                          <p:spTgt spid="95"/>
+                                        </p:tgtEl>
+                                        <p:attrNameLst>
+                                          <p:attrName>r</p:attrName>
+                                        </p:attrNameLst>
+                                      </p:cBhvr>
+                                    </p:animRot>
+                                  </p:childTnLst>
+                                </p:cTn>
+                              </p:par>
+                              <p:par>
+                                <p:cTn id="7" presetID="8" presetClass="emph" presetSubtype="0" fill="hold" nodeType="withEffect">
+                                  <p:stCondLst>
+                                    <p:cond delay="500"/>
+                                  </p:stCondLst>
+                                  <p:childTnLst>
+                                    <p:animRot by="1200000">
+                                      <p:cBhvr>
+                                        <p:cTn id="8" dur="500" fill="hold"/>
+                                        <p:tgtEl>
+                                          <p:spTgt spid="75"/>
+                                        </p:tgtEl>
+                                        <p:attrNameLst>
+                                          <p:attrName>r</p:attrName>
+                                        </p:attrNameLst>
+                                      </p:cBhvr>
+                                    </p:animRot>
+                                  </p:childTnLst>
+                                </p:cTn>
+                              </p:par>
+                            </p:childTnLst>
+                          </p:cTn>
+                        </p:par>
+                        <p:par>
+                          <p:cTn id="9" fill="hold">
+                            <p:stCondLst>
+                              <p:cond delay="1000"/>
+                            </p:stCondLst>
+                            <p:childTnLst>
+                              <p:par>
+                                <p:cTn id="10" presetID="8" presetClass="emph" presetSubtype="0" fill="hold" nodeType="afterEffect">
+                                  <p:stCondLst>
+                                    <p:cond delay="0"/>
+                                  </p:stCondLst>
+                                  <p:childTnLst>
+                                    <p:animRot by="900000">
+                                      <p:cBhvr>
+                                        <p:cTn id="11" dur="750" fill="hold"/>
+                                        <p:tgtEl>
+                                          <p:spTgt spid="95"/>
+                                        </p:tgtEl>
+                                        <p:attrNameLst>
+                                          <p:attrName>r</p:attrName>
+                                        </p:attrNameLst>
+                                      </p:cBhvr>
+                                    </p:animRot>
+                                  </p:childTnLst>
+                                </p:cTn>
+                              </p:par>
+                              <p:par>
+                                <p:cTn id="12" presetID="8" presetClass="emph" presetSubtype="0" fill="hold" nodeType="withEffect">
+                                  <p:stCondLst>
+                                    <p:cond delay="0"/>
+                                  </p:stCondLst>
+                                  <p:childTnLst>
+                                    <p:animRot by="-600000">
+                                      <p:cBhvr>
+                                        <p:cTn id="13" dur="750" fill="hold"/>
+                                        <p:tgtEl>
+                                          <p:spTgt spid="75"/>
+                                        </p:tgtEl>
+                                        <p:attrNameLst>
+                                          <p:attrName>r</p:attrName>
+                                        </p:attrNameLst>
+                                      </p:cBhvr>
+                                    </p:animRot>
+                                  </p:childTnLst>
+                                </p:cTn>
+                              </p:par>
+                            </p:childTnLst>
+                          </p:cTn>
+                        </p:par>
+                        <p:par>
+                          <p:cTn id="14" fill="hold">
+                            <p:stCondLst>
+                              <p:cond delay="1750"/>
+                            </p:stCondLst>
+                            <p:childTnLst>
+                              <p:par>
+                                <p:cTn id="15" presetID="8" presetClass="emph" presetSubtype="0" fill="hold" nodeType="afterEffect">
+                                  <p:stCondLst>
+                                    <p:cond delay="0"/>
+                                  </p:stCondLst>
+                                  <p:childTnLst>
+                                    <p:animRot by="-600000">
+                                      <p:cBhvr>
+                                        <p:cTn id="16" dur="500" fill="hold"/>
+                                        <p:tgtEl>
+                                          <p:spTgt spid="95"/>
+                                        </p:tgtEl>
+                                        <p:attrNameLst>
+                                          <p:attrName>r</p:attrName>
+                                        </p:attrNameLst>
+                                      </p:cBhvr>
+                                    </p:animRot>
+                                  </p:childTnLst>
+                                </p:cTn>
+                              </p:par>
+                            </p:childTnLst>
+                          </p:cTn>
+                        </p:par>
+                      </p:childTnLst>
+                    </p:cTn>
+                  </p:par>
+                </p:childTnLst>
+              </p:cTn>
+              <p:prevCondLst>
+                <p:cond evt="onPrev" delay="0">
+                  <p:tgtEl>
+                    <p:sldTgt/>
+                  </p:tgtEl>
+                </p:cond>
+              </p:prevCondLst>
+              <p:nextCondLst>
+                <p:cond evt="onNext" delay="0">
+                  <p:tgtEl>
+                    <p:sldTgt/>
+                  </p:tgtEl>
+                </p:cond>
+              </p:nextCondLst>
+            </p:seq>
+          </p:childTnLst>
+        </p:cTn>
+      </p:par>
+    </p:tnLst>
+  </p:timing>
 </p:sld>
 </file>
 

--- a/docs/documentation.pptx
+++ b/docs/documentation.pptx
@@ -104,6 +104,11 @@
       </a:defRPr>
     </a:lvl9pPr>
   </p:defaultTextStyle>
+  <p:extLst>
+    <p:ext uri="{EFAFB233-063F-42B5-8137-9DF3F51BA10A}">
+      <p15:sldGuideLst xmlns:p15="http://schemas.microsoft.com/office/powerpoint/2012/main"/>
+    </p:ext>
+  </p:extLst>
 </p:presentation>
 </file>
 
@@ -1587,7 +1592,7 @@
           <a:p>
             <a:fld id="{D86E6A5D-0A44-48FB-AC17-40D5FE6D3AAE}" type="datetimeFigureOut">
               <a:rPr lang="de-DE" smtClean="0"/>
-              <a:t>24.10.2018</a:t>
+              <a:t>27.10.2018</a:t>
             </a:fld>
             <a:endParaRPr lang="de-DE"/>
           </a:p>
@@ -1785,7 +1790,7 @@
           <a:p>
             <a:fld id="{D86E6A5D-0A44-48FB-AC17-40D5FE6D3AAE}" type="datetimeFigureOut">
               <a:rPr lang="de-DE" smtClean="0"/>
-              <a:t>24.10.2018</a:t>
+              <a:t>27.10.2018</a:t>
             </a:fld>
             <a:endParaRPr lang="de-DE"/>
           </a:p>
@@ -1993,7 +1998,7 @@
           <a:p>
             <a:fld id="{D86E6A5D-0A44-48FB-AC17-40D5FE6D3AAE}" type="datetimeFigureOut">
               <a:rPr lang="de-DE" smtClean="0"/>
-              <a:t>24.10.2018</a:t>
+              <a:t>27.10.2018</a:t>
             </a:fld>
             <a:endParaRPr lang="de-DE"/>
           </a:p>
@@ -2191,7 +2196,7 @@
           <a:p>
             <a:fld id="{D86E6A5D-0A44-48FB-AC17-40D5FE6D3AAE}" type="datetimeFigureOut">
               <a:rPr lang="de-DE" smtClean="0"/>
-              <a:t>24.10.2018</a:t>
+              <a:t>27.10.2018</a:t>
             </a:fld>
             <a:endParaRPr lang="de-DE"/>
           </a:p>
@@ -2466,7 +2471,7 @@
           <a:p>
             <a:fld id="{D86E6A5D-0A44-48FB-AC17-40D5FE6D3AAE}" type="datetimeFigureOut">
               <a:rPr lang="de-DE" smtClean="0"/>
-              <a:t>24.10.2018</a:t>
+              <a:t>27.10.2018</a:t>
             </a:fld>
             <a:endParaRPr lang="de-DE"/>
           </a:p>
@@ -2731,7 +2736,7 @@
           <a:p>
             <a:fld id="{D86E6A5D-0A44-48FB-AC17-40D5FE6D3AAE}" type="datetimeFigureOut">
               <a:rPr lang="de-DE" smtClean="0"/>
-              <a:t>24.10.2018</a:t>
+              <a:t>27.10.2018</a:t>
             </a:fld>
             <a:endParaRPr lang="de-DE"/>
           </a:p>
@@ -3143,7 +3148,7 @@
           <a:p>
             <a:fld id="{D86E6A5D-0A44-48FB-AC17-40D5FE6D3AAE}" type="datetimeFigureOut">
               <a:rPr lang="de-DE" smtClean="0"/>
-              <a:t>24.10.2018</a:t>
+              <a:t>27.10.2018</a:t>
             </a:fld>
             <a:endParaRPr lang="de-DE"/>
           </a:p>
@@ -3284,7 +3289,7 @@
           <a:p>
             <a:fld id="{D86E6A5D-0A44-48FB-AC17-40D5FE6D3AAE}" type="datetimeFigureOut">
               <a:rPr lang="de-DE" smtClean="0"/>
-              <a:t>24.10.2018</a:t>
+              <a:t>27.10.2018</a:t>
             </a:fld>
             <a:endParaRPr lang="de-DE"/>
           </a:p>
@@ -3397,7 +3402,7 @@
           <a:p>
             <a:fld id="{D86E6A5D-0A44-48FB-AC17-40D5FE6D3AAE}" type="datetimeFigureOut">
               <a:rPr lang="de-DE" smtClean="0"/>
-              <a:t>24.10.2018</a:t>
+              <a:t>27.10.2018</a:t>
             </a:fld>
             <a:endParaRPr lang="de-DE"/>
           </a:p>
@@ -3708,7 +3713,7 @@
           <a:p>
             <a:fld id="{D86E6A5D-0A44-48FB-AC17-40D5FE6D3AAE}" type="datetimeFigureOut">
               <a:rPr lang="de-DE" smtClean="0"/>
-              <a:t>24.10.2018</a:t>
+              <a:t>27.10.2018</a:t>
             </a:fld>
             <a:endParaRPr lang="de-DE"/>
           </a:p>
@@ -3996,7 +4001,7 @@
           <a:p>
             <a:fld id="{D86E6A5D-0A44-48FB-AC17-40D5FE6D3AAE}" type="datetimeFigureOut">
               <a:rPr lang="de-DE" smtClean="0"/>
-              <a:t>24.10.2018</a:t>
+              <a:t>27.10.2018</a:t>
             </a:fld>
             <a:endParaRPr lang="de-DE"/>
           </a:p>
@@ -4237,7 +4242,7 @@
           <a:p>
             <a:fld id="{D86E6A5D-0A44-48FB-AC17-40D5FE6D3AAE}" type="datetimeFigureOut">
               <a:rPr lang="de-DE" smtClean="0"/>
-              <a:t>24.10.2018</a:t>
+              <a:t>27.10.2018</a:t>
             </a:fld>
             <a:endParaRPr lang="de-DE"/>
           </a:p>
@@ -6840,6 +6845,675 @@
           </p:txBody>
         </p:sp>
       </p:grpSp>
+      <p:sp>
+        <p:nvSpPr>
+          <p:cNvPr id="2" name="Ellipse 1">
+            <a:extLst>
+              <a:ext uri="{FF2B5EF4-FFF2-40B4-BE49-F238E27FC236}">
+                <a16:creationId xmlns:a16="http://schemas.microsoft.com/office/drawing/2014/main" id="{3BFA7E40-352C-4A23-BA9A-28217ED6EF6A}"/>
+              </a:ext>
+            </a:extLst>
+          </p:cNvPr>
+          <p:cNvSpPr/>
+          <p:nvPr/>
+        </p:nvSpPr>
+        <p:spPr>
+          <a:xfrm>
+            <a:off x="1296099" y="1434517"/>
+            <a:ext cx="914400" cy="914400"/>
+          </a:xfrm>
+          <a:prstGeom prst="ellipse">
+            <a:avLst/>
+          </a:prstGeom>
+          <a:solidFill>
+            <a:schemeClr val="accent4">
+              <a:lumMod val="40000"/>
+              <a:lumOff val="60000"/>
+            </a:schemeClr>
+          </a:solidFill>
+          <a:ln>
+            <a:noFill/>
+          </a:ln>
+        </p:spPr>
+        <p:style>
+          <a:lnRef idx="2">
+            <a:schemeClr val="accent1">
+              <a:shade val="50000"/>
+            </a:schemeClr>
+          </a:lnRef>
+          <a:fillRef idx="1">
+            <a:schemeClr val="accent1"/>
+          </a:fillRef>
+          <a:effectRef idx="0">
+            <a:schemeClr val="accent1"/>
+          </a:effectRef>
+          <a:fontRef idx="minor">
+            <a:schemeClr val="lt1"/>
+          </a:fontRef>
+        </p:style>
+        <p:txBody>
+          <a:bodyPr rtlCol="0" anchor="ctr"/>
+          <a:lstStyle/>
+          <a:p>
+            <a:pPr algn="ctr"/>
+            <a:endParaRPr lang="de-DE"/>
+          </a:p>
+        </p:txBody>
+      </p:sp>
+      <p:sp>
+        <p:nvSpPr>
+          <p:cNvPr id="3" name="Flussdiagramm: Verzögerung 2">
+            <a:extLst>
+              <a:ext uri="{FF2B5EF4-FFF2-40B4-BE49-F238E27FC236}">
+                <a16:creationId xmlns:a16="http://schemas.microsoft.com/office/drawing/2014/main" id="{19D9D848-BEBC-416D-B436-2952D1D745CE}"/>
+              </a:ext>
+            </a:extLst>
+          </p:cNvPr>
+          <p:cNvSpPr/>
+          <p:nvPr/>
+        </p:nvSpPr>
+        <p:spPr>
+          <a:xfrm>
+            <a:off x="1860925" y="1768408"/>
+            <a:ext cx="531821" cy="246618"/>
+          </a:xfrm>
+          <a:prstGeom prst="flowChartDelay">
+            <a:avLst/>
+          </a:prstGeom>
+          <a:solidFill>
+            <a:schemeClr val="accent4">
+              <a:lumMod val="40000"/>
+              <a:lumOff val="60000"/>
+            </a:schemeClr>
+          </a:solidFill>
+          <a:ln>
+            <a:noFill/>
+          </a:ln>
+        </p:spPr>
+        <p:style>
+          <a:lnRef idx="2">
+            <a:schemeClr val="accent1">
+              <a:shade val="50000"/>
+            </a:schemeClr>
+          </a:lnRef>
+          <a:fillRef idx="1">
+            <a:schemeClr val="accent1"/>
+          </a:fillRef>
+          <a:effectRef idx="0">
+            <a:schemeClr val="accent1"/>
+          </a:effectRef>
+          <a:fontRef idx="minor">
+            <a:schemeClr val="lt1"/>
+          </a:fontRef>
+        </p:style>
+        <p:txBody>
+          <a:bodyPr rtlCol="0" anchor="ctr"/>
+          <a:lstStyle/>
+          <a:p>
+            <a:pPr algn="ctr"/>
+            <a:endParaRPr lang="de-DE"/>
+          </a:p>
+        </p:txBody>
+      </p:sp>
+      <p:sp>
+        <p:nvSpPr>
+          <p:cNvPr id="4" name="Ellipse 3">
+            <a:extLst>
+              <a:ext uri="{FF2B5EF4-FFF2-40B4-BE49-F238E27FC236}">
+                <a16:creationId xmlns:a16="http://schemas.microsoft.com/office/drawing/2014/main" id="{9297B6DF-33D9-4E42-86FC-83E1488C995E}"/>
+              </a:ext>
+            </a:extLst>
+          </p:cNvPr>
+          <p:cNvSpPr/>
+          <p:nvPr/>
+        </p:nvSpPr>
+        <p:spPr>
+          <a:xfrm>
+            <a:off x="2341881" y="1682973"/>
+            <a:ext cx="148204" cy="417488"/>
+          </a:xfrm>
+          <a:prstGeom prst="ellipse">
+            <a:avLst/>
+          </a:prstGeom>
+          <a:solidFill>
+            <a:schemeClr val="bg2">
+              <a:lumMod val="50000"/>
+            </a:schemeClr>
+          </a:solidFill>
+          <a:ln>
+            <a:solidFill>
+              <a:schemeClr val="bg2">
+                <a:lumMod val="25000"/>
+              </a:schemeClr>
+            </a:solidFill>
+          </a:ln>
+        </p:spPr>
+        <p:style>
+          <a:lnRef idx="2">
+            <a:schemeClr val="accent1">
+              <a:shade val="50000"/>
+            </a:schemeClr>
+          </a:lnRef>
+          <a:fillRef idx="1">
+            <a:schemeClr val="accent1"/>
+          </a:fillRef>
+          <a:effectRef idx="0">
+            <a:schemeClr val="accent1"/>
+          </a:effectRef>
+          <a:fontRef idx="minor">
+            <a:schemeClr val="lt1"/>
+          </a:fontRef>
+        </p:style>
+        <p:txBody>
+          <a:bodyPr rtlCol="0" anchor="ctr"/>
+          <a:lstStyle/>
+          <a:p>
+            <a:pPr algn="ctr"/>
+            <a:endParaRPr lang="de-DE"/>
+          </a:p>
+        </p:txBody>
+      </p:sp>
+      <p:sp>
+        <p:nvSpPr>
+          <p:cNvPr id="66" name="Flussdiagramm: Verzögerung 65">
+            <a:extLst>
+              <a:ext uri="{FF2B5EF4-FFF2-40B4-BE49-F238E27FC236}">
+                <a16:creationId xmlns:a16="http://schemas.microsoft.com/office/drawing/2014/main" id="{1CDAD386-1D32-491F-8AA4-350744BC1B7C}"/>
+              </a:ext>
+            </a:extLst>
+          </p:cNvPr>
+          <p:cNvSpPr/>
+          <p:nvPr/>
+        </p:nvSpPr>
+        <p:spPr>
+          <a:xfrm rot="14400000">
+            <a:off x="1276741" y="1416493"/>
+            <a:ext cx="531821" cy="246618"/>
+          </a:xfrm>
+          <a:prstGeom prst="flowChartDelay">
+            <a:avLst/>
+          </a:prstGeom>
+          <a:solidFill>
+            <a:schemeClr val="accent4">
+              <a:lumMod val="40000"/>
+              <a:lumOff val="60000"/>
+            </a:schemeClr>
+          </a:solidFill>
+          <a:ln>
+            <a:noFill/>
+          </a:ln>
+        </p:spPr>
+        <p:style>
+          <a:lnRef idx="2">
+            <a:schemeClr val="accent1">
+              <a:shade val="50000"/>
+            </a:schemeClr>
+          </a:lnRef>
+          <a:fillRef idx="1">
+            <a:schemeClr val="accent1"/>
+          </a:fillRef>
+          <a:effectRef idx="0">
+            <a:schemeClr val="accent1"/>
+          </a:effectRef>
+          <a:fontRef idx="minor">
+            <a:schemeClr val="lt1"/>
+          </a:fontRef>
+        </p:style>
+        <p:txBody>
+          <a:bodyPr rtlCol="0" anchor="ctr"/>
+          <a:lstStyle/>
+          <a:p>
+            <a:pPr algn="ctr"/>
+            <a:endParaRPr lang="de-DE"/>
+          </a:p>
+        </p:txBody>
+      </p:sp>
+      <p:sp>
+        <p:nvSpPr>
+          <p:cNvPr id="68" name="Ellipse 67">
+            <a:extLst>
+              <a:ext uri="{FF2B5EF4-FFF2-40B4-BE49-F238E27FC236}">
+                <a16:creationId xmlns:a16="http://schemas.microsoft.com/office/drawing/2014/main" id="{B8C0CD79-4933-4352-9BC3-9ECE05E057C4}"/>
+              </a:ext>
+            </a:extLst>
+          </p:cNvPr>
+          <p:cNvSpPr/>
+          <p:nvPr/>
+        </p:nvSpPr>
+        <p:spPr>
+          <a:xfrm rot="14400000">
+            <a:off x="1323976" y="1080649"/>
+            <a:ext cx="148204" cy="417488"/>
+          </a:xfrm>
+          <a:prstGeom prst="ellipse">
+            <a:avLst/>
+          </a:prstGeom>
+          <a:solidFill>
+            <a:schemeClr val="bg2">
+              <a:lumMod val="50000"/>
+            </a:schemeClr>
+          </a:solidFill>
+          <a:ln>
+            <a:solidFill>
+              <a:schemeClr val="bg2">
+                <a:lumMod val="25000"/>
+              </a:schemeClr>
+            </a:solidFill>
+          </a:ln>
+        </p:spPr>
+        <p:style>
+          <a:lnRef idx="2">
+            <a:schemeClr val="accent1">
+              <a:shade val="50000"/>
+            </a:schemeClr>
+          </a:lnRef>
+          <a:fillRef idx="1">
+            <a:schemeClr val="accent1"/>
+          </a:fillRef>
+          <a:effectRef idx="0">
+            <a:schemeClr val="accent1"/>
+          </a:effectRef>
+          <a:fontRef idx="minor">
+            <a:schemeClr val="lt1"/>
+          </a:fontRef>
+        </p:style>
+        <p:txBody>
+          <a:bodyPr rtlCol="0" anchor="ctr"/>
+          <a:lstStyle/>
+          <a:p>
+            <a:pPr algn="ctr"/>
+            <a:endParaRPr lang="de-DE"/>
+          </a:p>
+        </p:txBody>
+      </p:sp>
+      <p:sp>
+        <p:nvSpPr>
+          <p:cNvPr id="71" name="Flussdiagramm: Verzögerung 70">
+            <a:extLst>
+              <a:ext uri="{FF2B5EF4-FFF2-40B4-BE49-F238E27FC236}">
+                <a16:creationId xmlns:a16="http://schemas.microsoft.com/office/drawing/2014/main" id="{BD98F3FB-5C60-45CB-9B0C-1FF6EA0252BC}"/>
+              </a:ext>
+            </a:extLst>
+          </p:cNvPr>
+          <p:cNvSpPr/>
+          <p:nvPr/>
+        </p:nvSpPr>
+        <p:spPr>
+          <a:xfrm rot="7200000">
+            <a:off x="1255178" y="2094784"/>
+            <a:ext cx="531821" cy="246618"/>
+          </a:xfrm>
+          <a:prstGeom prst="flowChartDelay">
+            <a:avLst/>
+          </a:prstGeom>
+          <a:solidFill>
+            <a:schemeClr val="accent4">
+              <a:lumMod val="40000"/>
+              <a:lumOff val="60000"/>
+            </a:schemeClr>
+          </a:solidFill>
+          <a:ln>
+            <a:noFill/>
+          </a:ln>
+        </p:spPr>
+        <p:style>
+          <a:lnRef idx="2">
+            <a:schemeClr val="accent1">
+              <a:shade val="50000"/>
+            </a:schemeClr>
+          </a:lnRef>
+          <a:fillRef idx="1">
+            <a:schemeClr val="accent1"/>
+          </a:fillRef>
+          <a:effectRef idx="0">
+            <a:schemeClr val="accent1"/>
+          </a:effectRef>
+          <a:fontRef idx="minor">
+            <a:schemeClr val="lt1"/>
+          </a:fontRef>
+        </p:style>
+        <p:txBody>
+          <a:bodyPr rtlCol="0" anchor="ctr"/>
+          <a:lstStyle/>
+          <a:p>
+            <a:pPr algn="ctr"/>
+            <a:endParaRPr lang="de-DE"/>
+          </a:p>
+        </p:txBody>
+      </p:sp>
+      <p:sp>
+        <p:nvSpPr>
+          <p:cNvPr id="86" name="Ellipse 85">
+            <a:extLst>
+              <a:ext uri="{FF2B5EF4-FFF2-40B4-BE49-F238E27FC236}">
+                <a16:creationId xmlns:a16="http://schemas.microsoft.com/office/drawing/2014/main" id="{B65B254E-8E0F-4F85-98F3-9A733672DDB0}"/>
+              </a:ext>
+            </a:extLst>
+          </p:cNvPr>
+          <p:cNvSpPr/>
+          <p:nvPr/>
+        </p:nvSpPr>
+        <p:spPr>
+          <a:xfrm rot="7200000">
+            <a:off x="1302413" y="2259758"/>
+            <a:ext cx="148204" cy="417488"/>
+          </a:xfrm>
+          <a:prstGeom prst="ellipse">
+            <a:avLst/>
+          </a:prstGeom>
+          <a:solidFill>
+            <a:schemeClr val="bg2">
+              <a:lumMod val="50000"/>
+            </a:schemeClr>
+          </a:solidFill>
+          <a:ln>
+            <a:solidFill>
+              <a:schemeClr val="bg2">
+                <a:lumMod val="25000"/>
+              </a:schemeClr>
+            </a:solidFill>
+          </a:ln>
+        </p:spPr>
+        <p:style>
+          <a:lnRef idx="2">
+            <a:schemeClr val="accent1">
+              <a:shade val="50000"/>
+            </a:schemeClr>
+          </a:lnRef>
+          <a:fillRef idx="1">
+            <a:schemeClr val="accent1"/>
+          </a:fillRef>
+          <a:effectRef idx="0">
+            <a:schemeClr val="accent1"/>
+          </a:effectRef>
+          <a:fontRef idx="minor">
+            <a:schemeClr val="lt1"/>
+          </a:fontRef>
+        </p:style>
+        <p:txBody>
+          <a:bodyPr rtlCol="0" anchor="ctr"/>
+          <a:lstStyle/>
+          <a:p>
+            <a:pPr algn="ctr"/>
+            <a:endParaRPr lang="de-DE"/>
+          </a:p>
+        </p:txBody>
+      </p:sp>
+      <p:cxnSp>
+        <p:nvCxnSpPr>
+          <p:cNvPr id="9" name="Gerade Verbindung mit Pfeil 8">
+            <a:extLst>
+              <a:ext uri="{FF2B5EF4-FFF2-40B4-BE49-F238E27FC236}">
+                <a16:creationId xmlns:a16="http://schemas.microsoft.com/office/drawing/2014/main" id="{594FE179-CBF5-4405-8E38-0AA326D4D187}"/>
+              </a:ext>
+            </a:extLst>
+          </p:cNvPr>
+          <p:cNvCxnSpPr>
+            <a:cxnSpLocks/>
+          </p:cNvCxnSpPr>
+          <p:nvPr/>
+        </p:nvCxnSpPr>
+        <p:spPr>
+          <a:xfrm flipH="1">
+            <a:off x="1318324" y="1891716"/>
+            <a:ext cx="486297" cy="1"/>
+          </a:xfrm>
+          <a:prstGeom prst="straightConnector1">
+            <a:avLst/>
+          </a:prstGeom>
+          <a:ln w="12700">
+            <a:solidFill>
+              <a:schemeClr val="tx1"/>
+            </a:solidFill>
+            <a:tailEnd type="triangle"/>
+          </a:ln>
+        </p:spPr>
+        <p:style>
+          <a:lnRef idx="1">
+            <a:schemeClr val="accent1"/>
+          </a:lnRef>
+          <a:fillRef idx="0">
+            <a:schemeClr val="accent1"/>
+          </a:fillRef>
+          <a:effectRef idx="0">
+            <a:schemeClr val="accent1"/>
+          </a:effectRef>
+          <a:fontRef idx="minor">
+            <a:schemeClr val="tx1"/>
+          </a:fontRef>
+        </p:style>
+      </p:cxnSp>
+      <p:cxnSp>
+        <p:nvCxnSpPr>
+          <p:cNvPr id="87" name="Gerade Verbindung mit Pfeil 86">
+            <a:extLst>
+              <a:ext uri="{FF2B5EF4-FFF2-40B4-BE49-F238E27FC236}">
+                <a16:creationId xmlns:a16="http://schemas.microsoft.com/office/drawing/2014/main" id="{1D17C0C1-4490-4D95-849D-1E79144D76BE}"/>
+              </a:ext>
+            </a:extLst>
+          </p:cNvPr>
+          <p:cNvCxnSpPr>
+            <a:cxnSpLocks/>
+          </p:cNvCxnSpPr>
+          <p:nvPr/>
+        </p:nvCxnSpPr>
+        <p:spPr>
+          <a:xfrm flipV="1">
+            <a:off x="1760833" y="1625823"/>
+            <a:ext cx="0" cy="322007"/>
+          </a:xfrm>
+          <a:prstGeom prst="straightConnector1">
+            <a:avLst/>
+          </a:prstGeom>
+          <a:ln w="12700">
+            <a:solidFill>
+              <a:schemeClr val="tx1"/>
+            </a:solidFill>
+            <a:tailEnd type="triangle"/>
+          </a:ln>
+        </p:spPr>
+        <p:style>
+          <a:lnRef idx="1">
+            <a:schemeClr val="accent1"/>
+          </a:lnRef>
+          <a:fillRef idx="0">
+            <a:schemeClr val="accent1"/>
+          </a:fillRef>
+          <a:effectRef idx="0">
+            <a:schemeClr val="accent1"/>
+          </a:effectRef>
+          <a:fontRef idx="minor">
+            <a:schemeClr val="tx1"/>
+          </a:fontRef>
+        </p:style>
+      </p:cxnSp>
+      <p:sp>
+        <p:nvSpPr>
+          <p:cNvPr id="21" name="Textfeld 20">
+            <a:extLst>
+              <a:ext uri="{FF2B5EF4-FFF2-40B4-BE49-F238E27FC236}">
+                <a16:creationId xmlns:a16="http://schemas.microsoft.com/office/drawing/2014/main" id="{6083A990-80AA-4C45-97AD-0F04C7960E05}"/>
+              </a:ext>
+            </a:extLst>
+          </p:cNvPr>
+          <p:cNvSpPr txBox="1"/>
+          <p:nvPr/>
+        </p:nvSpPr>
+        <p:spPr>
+          <a:xfrm>
+            <a:off x="1332299" y="1771636"/>
+            <a:ext cx="288862" cy="369332"/>
+          </a:xfrm>
+          <a:prstGeom prst="rect">
+            <a:avLst/>
+          </a:prstGeom>
+          <a:noFill/>
+        </p:spPr>
+        <p:txBody>
+          <a:bodyPr wrap="none" rtlCol="0">
+            <a:spAutoFit/>
+          </a:bodyPr>
+          <a:lstStyle/>
+          <a:p>
+            <a:r>
+              <a:rPr lang="de-DE" dirty="0"/>
+              <a:t>y</a:t>
+            </a:r>
+          </a:p>
+        </p:txBody>
+      </p:sp>
+      <p:sp>
+        <p:nvSpPr>
+          <p:cNvPr id="91" name="Textfeld 90">
+            <a:extLst>
+              <a:ext uri="{FF2B5EF4-FFF2-40B4-BE49-F238E27FC236}">
+                <a16:creationId xmlns:a16="http://schemas.microsoft.com/office/drawing/2014/main" id="{62F610CF-A2B2-476B-B04B-74CDC17F0D84}"/>
+              </a:ext>
+            </a:extLst>
+          </p:cNvPr>
+          <p:cNvSpPr txBox="1"/>
+          <p:nvPr/>
+        </p:nvSpPr>
+        <p:spPr>
+          <a:xfrm>
+            <a:off x="1516771" y="1424507"/>
+            <a:ext cx="288862" cy="369332"/>
+          </a:xfrm>
+          <a:prstGeom prst="rect">
+            <a:avLst/>
+          </a:prstGeom>
+          <a:noFill/>
+        </p:spPr>
+        <p:txBody>
+          <a:bodyPr wrap="none" rtlCol="0">
+            <a:spAutoFit/>
+          </a:bodyPr>
+          <a:lstStyle/>
+          <a:p>
+            <a:r>
+              <a:rPr lang="de-DE" dirty="0"/>
+              <a:t>x</a:t>
+            </a:r>
+          </a:p>
+        </p:txBody>
+      </p:sp>
+      <p:sp>
+        <p:nvSpPr>
+          <p:cNvPr id="23" name="Textfeld 22">
+            <a:extLst>
+              <a:ext uri="{FF2B5EF4-FFF2-40B4-BE49-F238E27FC236}">
+                <a16:creationId xmlns:a16="http://schemas.microsoft.com/office/drawing/2014/main" id="{4A671AD9-4C53-496C-B880-6B5242426269}"/>
+              </a:ext>
+            </a:extLst>
+          </p:cNvPr>
+          <p:cNvSpPr txBox="1"/>
+          <p:nvPr/>
+        </p:nvSpPr>
+        <p:spPr>
+          <a:xfrm>
+            <a:off x="2549706" y="1753217"/>
+            <a:ext cx="641522" cy="276999"/>
+          </a:xfrm>
+          <a:prstGeom prst="rect">
+            <a:avLst/>
+          </a:prstGeom>
+          <a:noFill/>
+        </p:spPr>
+        <p:txBody>
+          <a:bodyPr wrap="none" rtlCol="0">
+            <a:spAutoFit/>
+          </a:bodyPr>
+          <a:lstStyle/>
+          <a:p>
+            <a:r>
+              <a:rPr lang="de-DE" sz="1200" dirty="0"/>
+              <a:t>Wheel</a:t>
+            </a:r>
+            <a:r>
+              <a:rPr lang="de-DE" sz="1200" baseline="-25000" dirty="0"/>
+              <a:t>0</a:t>
+            </a:r>
+          </a:p>
+        </p:txBody>
+      </p:sp>
+      <p:sp>
+        <p:nvSpPr>
+          <p:cNvPr id="92" name="Textfeld 91">
+            <a:extLst>
+              <a:ext uri="{FF2B5EF4-FFF2-40B4-BE49-F238E27FC236}">
+                <a16:creationId xmlns:a16="http://schemas.microsoft.com/office/drawing/2014/main" id="{B5931897-47CC-421A-8AC7-885F659EE464}"/>
+              </a:ext>
+            </a:extLst>
+          </p:cNvPr>
+          <p:cNvSpPr txBox="1"/>
+          <p:nvPr/>
+        </p:nvSpPr>
+        <p:spPr>
+          <a:xfrm>
+            <a:off x="776567" y="897018"/>
+            <a:ext cx="641522" cy="276999"/>
+          </a:xfrm>
+          <a:prstGeom prst="rect">
+            <a:avLst/>
+          </a:prstGeom>
+          <a:noFill/>
+        </p:spPr>
+        <p:txBody>
+          <a:bodyPr wrap="none" rtlCol="0">
+            <a:spAutoFit/>
+          </a:bodyPr>
+          <a:lstStyle/>
+          <a:p>
+            <a:r>
+              <a:rPr lang="de-DE" sz="1200" dirty="0"/>
+              <a:t>Wheel</a:t>
+            </a:r>
+            <a:r>
+              <a:rPr lang="de-DE" sz="1200" baseline="-25000" dirty="0"/>
+              <a:t>1</a:t>
+            </a:r>
+          </a:p>
+        </p:txBody>
+      </p:sp>
+      <p:sp>
+        <p:nvSpPr>
+          <p:cNvPr id="96" name="Textfeld 95">
+            <a:extLst>
+              <a:ext uri="{FF2B5EF4-FFF2-40B4-BE49-F238E27FC236}">
+                <a16:creationId xmlns:a16="http://schemas.microsoft.com/office/drawing/2014/main" id="{9497A349-0928-4F6E-8843-CCCB3194B9ED}"/>
+              </a:ext>
+            </a:extLst>
+          </p:cNvPr>
+          <p:cNvSpPr txBox="1"/>
+          <p:nvPr/>
+        </p:nvSpPr>
+        <p:spPr>
+          <a:xfrm>
+            <a:off x="837925" y="2582039"/>
+            <a:ext cx="641522" cy="276999"/>
+          </a:xfrm>
+          <a:prstGeom prst="rect">
+            <a:avLst/>
+          </a:prstGeom>
+          <a:noFill/>
+        </p:spPr>
+        <p:txBody>
+          <a:bodyPr wrap="none" rtlCol="0">
+            <a:spAutoFit/>
+          </a:bodyPr>
+          <a:lstStyle/>
+          <a:p>
+            <a:r>
+              <a:rPr lang="de-DE" sz="1200" dirty="0"/>
+              <a:t>Wheel</a:t>
+            </a:r>
+            <a:r>
+              <a:rPr lang="de-DE" sz="1200" baseline="-25000" dirty="0"/>
+              <a:t>2</a:t>
+            </a:r>
+          </a:p>
+        </p:txBody>
+      </p:sp>
     </p:spTree>
     <p:extLst>
       <p:ext uri="{BB962C8B-B14F-4D97-AF65-F5344CB8AC3E}">

--- a/docs/documentation.pptx
+++ b/docs/documentation.pptx
@@ -154,607 +154,607 @@
                 <c:formatCode>General</c:formatCode>
                 <c:ptCount val="201"/>
                 <c:pt idx="0">
-                  <c:v>89.991828383633575</c:v>
+                  <c:v>-89.991828383633575</c:v>
                 </c:pt>
                 <c:pt idx="1">
-                  <c:v>89.990969010356906</c:v>
+                  <c:v>-89.990969010356906</c:v>
                 </c:pt>
                 <c:pt idx="2">
-                  <c:v>89.99001926554989</c:v>
+                  <c:v>-89.99001926554989</c:v>
                 </c:pt>
                 <c:pt idx="3">
-                  <c:v>89.988969646868995</c:v>
+                  <c:v>-89.988969646868995</c:v>
                 </c:pt>
                 <c:pt idx="4">
-                  <c:v>89.987809653068467</c:v>
+                  <c:v>-89.987809653068467</c:v>
                 </c:pt>
                 <c:pt idx="5">
-                  <c:v>89.986527679048109</c:v>
+                  <c:v>-89.986527679048109</c:v>
                 </c:pt>
                 <c:pt idx="6">
-                  <c:v>89.98511089988672</c:v>
+                  <c:v>-89.98511089988672</c:v>
                 </c:pt>
                 <c:pt idx="7">
-                  <c:v>89.983545142706603</c:v>
+                  <c:v>-89.983545142706603</c:v>
                 </c:pt>
                 <c:pt idx="8">
+                  <c:v>-89.981814745096599</c:v>
+                </c:pt>
+                <c:pt idx="9">
+                  <c:v>-89.979902398686676</c:v>
+                </c:pt>
+                <c:pt idx="10">
+                  <c:v>-89.977788976322458</c:v>
+                </c:pt>
+                <c:pt idx="11">
+                  <c:v>-89.975453341125672</c:v>
+                </c:pt>
+                <c:pt idx="12">
+                  <c:v>-89.972872135549252</c:v>
+                </c:pt>
+                <c:pt idx="13">
+                  <c:v>-89.97001954834009</c:v>
+                </c:pt>
+                <c:pt idx="14">
+                  <c:v>-89.966867057106583</c:v>
+                </c:pt>
+                <c:pt idx="15">
+                  <c:v>-89.963383143950068</c:v>
+                </c:pt>
+                <c:pt idx="16">
+                  <c:v>-89.959532981357995</c:v>
+                </c:pt>
+                <c:pt idx="17">
+                  <c:v>-89.955278085268901</c:v>
+                </c:pt>
+                <c:pt idx="18">
+                  <c:v>-89.950575931901739</c:v>
+                </c:pt>
+                <c:pt idx="19">
+                  <c:v>-89.945379534594807</c:v>
+                </c:pt>
+                <c:pt idx="20">
+                  <c:v>-89.939636976516056</c:v>
+                </c:pt>
+                <c:pt idx="21">
+                  <c:v>-89.933290894687232</c:v>
+                </c:pt>
+                <c:pt idx="22">
+                  <c:v>-89.926277910302503</c:v>
+                </c:pt>
+                <c:pt idx="23">
+                  <c:v>-89.918527999816718</c:v>
+                </c:pt>
+                <c:pt idx="24">
+                  <c:v>-89.909963800725691</c:v>
+                </c:pt>
+                <c:pt idx="25">
+                  <c:v>-89.90049984535375</c:v>
+                </c:pt>
+                <c:pt idx="26">
+                  <c:v>-89.890041715301805</c:v>
+                </c:pt>
+                <c:pt idx="27">
+                  <c:v>-89.878485108486103</c:v>
+                </c:pt>
+                <c:pt idx="28">
+                  <c:v>-89.865714809909392</c:v>
+                </c:pt>
+                <c:pt idx="29">
+                  <c:v>-89.851603556448296</c:v>
+                </c:pt>
+                <c:pt idx="30">
+                  <c:v>-89.836010785007886</c:v>
+                </c:pt>
+                <c:pt idx="31">
+                  <c:v>-89.818781252384596</c:v>
+                </c:pt>
+                <c:pt idx="32">
+                  <c:v>-89.799743514085165</c:v>
+                </c:pt>
+                <c:pt idx="33">
+                  <c:v>-89.778708248170076</c:v>
+                </c:pt>
+                <c:pt idx="34">
+                  <c:v>-89.7554664089228</c:v>
+                </c:pt>
+                <c:pt idx="35">
+                  <c:v>-89.729787193787331</c:v>
+                </c:pt>
+                <c:pt idx="36">
+                  <c:v>-89.701415805568601</c:v>
+                </c:pt>
+                <c:pt idx="37">
+                  <c:v>-89.670070990351292</c:v>
+                </c:pt>
+                <c:pt idx="38">
+                  <c:v>-89.635442329971013</c:v>
+                </c:pt>
+                <c:pt idx="39">
+                  <c:v>-89.597187266170252</c:v>
+                </c:pt>
+                <c:pt idx="40">
+                  <c:v>-89.554927831805756</c:v>
+                </c:pt>
+                <c:pt idx="41">
+                  <c:v>-89.508247062658029</c:v>
+                </c:pt>
+                <c:pt idx="42">
+                  <c:v>-89.456685061552506</c:v>
+                </c:pt>
+                <c:pt idx="43">
+                  <c:v>-89.399734684665603</c:v>
+                </c:pt>
+                <c:pt idx="44">
+                  <c:v>-89.336836818101546</c:v>
+                </c:pt>
+                <c:pt idx="45">
+                  <c:v>-89.267375211138713</c:v>
+                </c:pt>
+                <c:pt idx="46">
+                  <c:v>-89.190670831030587</c:v>
+                </c:pt>
+                <c:pt idx="47">
+                  <c:v>-89.105975702989738</c:v>
+                </c:pt>
+                <c:pt idx="48">
+                  <c:v>-89.012466198098906</c:v>
+                </c:pt>
+                <c:pt idx="49">
+                  <c:v>-88.90923573151484</c:v>
+                </c:pt>
+                <c:pt idx="50">
+                  <c:v>-88.795286833628708</c:v>
+                </c:pt>
+                <c:pt idx="51">
+                  <c:v>-88.669522558029257</c:v>
+                </c:pt>
+                <c:pt idx="52">
+                  <c:v>-88.530737192431218</c:v>
+                </c:pt>
+                <c:pt idx="53">
+                  <c:v>-88.377606242487374</c:v>
+                </c:pt>
+                <c:pt idx="54">
+                  <c:v>-88.208675663957237</c:v>
+                </c:pt>
+                <c:pt idx="55">
+                  <c:v>-88.022350326493225</c:v>
+                </c:pt>
+                <c:pt idx="56">
+                  <c:v>-87.816881702830628</c:v>
+                </c:pt>
+                <c:pt idx="57">
+                  <c:v>-87.590354791020317</c:v>
+                </c:pt>
+                <c:pt idx="58">
+                  <c:v>-87.340674295210846</c:v>
+                </c:pt>
+                <c:pt idx="59">
+                  <c:v>-87.065550113140603</c:v>
+                </c:pt>
+                <c:pt idx="60">
+                  <c:v>-86.76248220682352</c:v>
+                </c:pt>
+                <c:pt idx="61">
+                  <c:v>-86.42874496786601</c:v>
+                </c:pt>
+                <c:pt idx="62">
+                  <c:v>-86.061371231496494</c:v>
+                </c:pt>
+                <c:pt idx="63">
+                  <c:v>-85.657136144819503</c:v>
+                </c:pt>
+                <c:pt idx="64">
+                  <c:v>-85.212541156164122</c:v>
+                </c:pt>
+                <c:pt idx="65">
+                  <c:v>-84.723798464755859</c:v>
+                </c:pt>
+                <c:pt idx="66">
+                  <c:v>-84.186816354278903</c:v>
+                </c:pt>
+                <c:pt idx="67">
+                  <c:v>-83.597185930925448</c:v>
+                </c:pt>
+                <c:pt idx="68">
+                  <c:v>-82.950169896582381</c:v>
+                </c:pt>
+                <c:pt idx="69">
+                  <c:v>-82.240694110604451</c:v>
+                </c:pt>
+                <c:pt idx="70">
+                  <c:v>-81.463342828037923</c:v>
+                </c:pt>
+                <c:pt idx="71">
+                  <c:v>-80.612358645884754</c:v>
+                </c:pt>
+                <c:pt idx="72">
+                  <c:v>-79.681648338203573</c:v>
+                </c:pt>
+                <c:pt idx="73">
+                  <c:v>-78.664795909740576</c:v>
+                </c:pt>
+                <c:pt idx="74">
+                  <c:v>-77.555084338197489</c:v>
+                </c:pt>
+                <c:pt idx="75">
+                  <c:v>-76.345527596176055</c:v>
+                </c:pt>
+                <c:pt idx="76">
+                  <c:v>-75.028914631093883</c:v>
+                </c:pt>
+                <c:pt idx="77">
+                  <c:v>-73.597867017325783</c:v>
+                </c:pt>
+                <c:pt idx="78">
+                  <c:v>-72.044911958456581</c:v>
+                </c:pt>
+                <c:pt idx="79">
+                  <c:v>-70.362572184789556</c:v>
+                </c:pt>
+                <c:pt idx="80">
+                  <c:v>-68.543474036018694</c:v>
+                </c:pt>
+                <c:pt idx="81">
+                  <c:v>-66.580474614660218</c:v>
+                </c:pt>
+                <c:pt idx="82">
+                  <c:v>-64.466808317912026</c:v>
+                </c:pt>
+                <c:pt idx="83">
+                  <c:v>-62.196252284963585</c:v>
+                </c:pt>
+                <c:pt idx="84">
+                  <c:v>-59.763309324106203</c:v>
+                </c:pt>
+                <c:pt idx="85">
+                  <c:v>-57.163405714855656</c:v>
+                </c:pt>
+                <c:pt idx="86">
+                  <c:v>-54.393099940544502</c:v>
+                </c:pt>
+                <c:pt idx="87">
+                  <c:v>-51.450296947660313</c:v>
+                </c:pt>
+                <c:pt idx="88">
+                  <c:v>-48.33446102982294</c:v>
+                </c:pt>
+                <c:pt idx="89">
+                  <c:v>-45.046819007120902</c:v>
+                </c:pt>
+                <c:pt idx="90">
+                  <c:v>-41.590544153400621</c:v>
+                </c:pt>
+                <c:pt idx="91">
+                  <c:v>-37.970910472500442</c:v>
+                </c:pt>
+                <c:pt idx="92">
+                  <c:v>-34.195406602969953</c:v>
+                </c:pt>
+                <c:pt idx="93">
+                  <c:v>-30.273798990269608</c:v>
+                </c:pt>
+                <c:pt idx="94">
+                  <c:v>-26.21813512064287</c:v>
+                </c:pt>
+                <c:pt idx="95">
+                  <c:v>-22.042679616333487</c:v>
+                </c:pt>
+                <c:pt idx="96">
+                  <c:v>-17.763778820241022</c:v>
+                </c:pt>
+                <c:pt idx="97">
+                  <c:v>-13.399653026098285</c:v>
+                </c:pt>
+                <c:pt idx="98">
+                  <c:v>-8.9701195162456919</c:v>
+                </c:pt>
+                <c:pt idx="99">
+                  <c:v>-4.496253746208863</c:v>
+                </c:pt>
+                <c:pt idx="100">
+                  <c:v>3.397282455352979E-13</c:v>
+                </c:pt>
+                <c:pt idx="101">
+                  <c:v>4.496253746209522</c:v>
+                </c:pt>
+                <c:pt idx="102">
+                  <c:v>8.9701195162463616</c:v>
+                </c:pt>
+                <c:pt idx="103">
+                  <c:v>13.399653026098955</c:v>
+                </c:pt>
+                <c:pt idx="104">
+                  <c:v>17.763778820241701</c:v>
+                </c:pt>
+                <c:pt idx="105">
+                  <c:v>22.042679616334148</c:v>
+                </c:pt>
+                <c:pt idx="106">
+                  <c:v>26.218135120643492</c:v>
+                </c:pt>
+                <c:pt idx="107">
+                  <c:v>30.273798990270198</c:v>
+                </c:pt>
+                <c:pt idx="108">
+                  <c:v>34.195406602970529</c:v>
+                </c:pt>
+                <c:pt idx="109">
+                  <c:v>37.970910472500989</c:v>
+                </c:pt>
+                <c:pt idx="110">
+                  <c:v>41.59054415340114</c:v>
+                </c:pt>
+                <c:pt idx="111">
+                  <c:v>45.046819007121421</c:v>
+                </c:pt>
+                <c:pt idx="112">
+                  <c:v>48.334461029823416</c:v>
+                </c:pt>
+                <c:pt idx="113">
+                  <c:v>51.450296947660767</c:v>
+                </c:pt>
+                <c:pt idx="114">
+                  <c:v>54.393099940544921</c:v>
+                </c:pt>
+                <c:pt idx="115">
+                  <c:v>57.163405714856054</c:v>
+                </c:pt>
+                <c:pt idx="116">
+                  <c:v>59.763309324106601</c:v>
+                </c:pt>
+                <c:pt idx="117">
+                  <c:v>62.196252284963933</c:v>
+                </c:pt>
+                <c:pt idx="118">
+                  <c:v>64.466808317912367</c:v>
+                </c:pt>
+                <c:pt idx="119">
+                  <c:v>66.580474614660545</c:v>
+                </c:pt>
+                <c:pt idx="120">
+                  <c:v>68.543474036018992</c:v>
+                </c:pt>
+                <c:pt idx="121">
+                  <c:v>70.362572184789812</c:v>
+                </c:pt>
+                <c:pt idx="122">
+                  <c:v>72.044911958456808</c:v>
+                </c:pt>
+                <c:pt idx="123">
+                  <c:v>73.597867017326024</c:v>
+                </c:pt>
+                <c:pt idx="124">
+                  <c:v>75.028914631094082</c:v>
+                </c:pt>
+                <c:pt idx="125">
+                  <c:v>76.345527596176268</c:v>
+                </c:pt>
+                <c:pt idx="126">
+                  <c:v>77.555084338197673</c:v>
+                </c:pt>
+                <c:pt idx="127">
+                  <c:v>78.664795909740732</c:v>
+                </c:pt>
+                <c:pt idx="128">
+                  <c:v>79.681648338203701</c:v>
+                </c:pt>
+                <c:pt idx="129">
+                  <c:v>80.612358645884882</c:v>
+                </c:pt>
+                <c:pt idx="130">
+                  <c:v>81.463342828038051</c:v>
+                </c:pt>
+                <c:pt idx="131">
+                  <c:v>82.240694110604565</c:v>
+                </c:pt>
+                <c:pt idx="132">
+                  <c:v>82.95016989658248</c:v>
+                </c:pt>
+                <c:pt idx="133">
+                  <c:v>83.597185930925548</c:v>
+                </c:pt>
+                <c:pt idx="134">
+                  <c:v>84.18681635427896</c:v>
+                </c:pt>
+                <c:pt idx="135">
+                  <c:v>84.723798464755916</c:v>
+                </c:pt>
+                <c:pt idx="136">
+                  <c:v>85.212541156164193</c:v>
+                </c:pt>
+                <c:pt idx="137">
+                  <c:v>85.657136144819589</c:v>
+                </c:pt>
+                <c:pt idx="138">
+                  <c:v>86.061371231496551</c:v>
+                </c:pt>
+                <c:pt idx="139">
+                  <c:v>86.428744967866081</c:v>
+                </c:pt>
+                <c:pt idx="140">
+                  <c:v>86.762482206823549</c:v>
+                </c:pt>
+                <c:pt idx="141">
+                  <c:v>87.06555011314066</c:v>
+                </c:pt>
+                <c:pt idx="142">
+                  <c:v>87.340674295210874</c:v>
+                </c:pt>
+                <c:pt idx="143">
+                  <c:v>87.59035479102036</c:v>
+                </c:pt>
+                <c:pt idx="144">
+                  <c:v>87.816881702830656</c:v>
+                </c:pt>
+                <c:pt idx="145">
+                  <c:v>88.022350326493239</c:v>
+                </c:pt>
+                <c:pt idx="146">
+                  <c:v>88.208675663957251</c:v>
+                </c:pt>
+                <c:pt idx="147">
+                  <c:v>88.377606242487417</c:v>
+                </c:pt>
+                <c:pt idx="148">
+                  <c:v>88.530737192431232</c:v>
+                </c:pt>
+                <c:pt idx="149">
+                  <c:v>88.669522558029257</c:v>
+                </c:pt>
+                <c:pt idx="150">
+                  <c:v>88.795286833628737</c:v>
+                </c:pt>
+                <c:pt idx="151">
+                  <c:v>88.909235731514869</c:v>
+                </c:pt>
+                <c:pt idx="152">
+                  <c:v>89.012466198098934</c:v>
+                </c:pt>
+                <c:pt idx="153">
+                  <c:v>89.105975702989753</c:v>
+                </c:pt>
+                <c:pt idx="154">
+                  <c:v>89.190670831030587</c:v>
+                </c:pt>
+                <c:pt idx="155">
+                  <c:v>89.267375211138699</c:v>
+                </c:pt>
+                <c:pt idx="156">
+                  <c:v>89.336836818101531</c:v>
+                </c:pt>
+                <c:pt idx="157">
+                  <c:v>89.399734684665603</c:v>
+                </c:pt>
+                <c:pt idx="158">
+                  <c:v>89.456685061552491</c:v>
+                </c:pt>
+                <c:pt idx="159">
+                  <c:v>89.508247062658015</c:v>
+                </c:pt>
+                <c:pt idx="160">
+                  <c:v>89.554927831805742</c:v>
+                </c:pt>
+                <c:pt idx="161">
+                  <c:v>89.597187266170266</c:v>
+                </c:pt>
+                <c:pt idx="162">
+                  <c:v>89.635442329971028</c:v>
+                </c:pt>
+                <c:pt idx="163">
+                  <c:v>89.670070990351306</c:v>
+                </c:pt>
+                <c:pt idx="164">
+                  <c:v>89.701415805568601</c:v>
+                </c:pt>
+                <c:pt idx="165">
+                  <c:v>89.729787193787345</c:v>
+                </c:pt>
+                <c:pt idx="166">
+                  <c:v>89.755466408922786</c:v>
+                </c:pt>
+                <c:pt idx="167">
+                  <c:v>89.778708248170062</c:v>
+                </c:pt>
+                <c:pt idx="168">
+                  <c:v>89.799743514085137</c:v>
+                </c:pt>
+                <c:pt idx="169">
+                  <c:v>89.818781252384596</c:v>
+                </c:pt>
+                <c:pt idx="170">
+                  <c:v>89.836010785007886</c:v>
+                </c:pt>
+                <c:pt idx="171">
+                  <c:v>89.85160355644831</c:v>
+                </c:pt>
+                <c:pt idx="172">
+                  <c:v>89.865714809909392</c:v>
+                </c:pt>
+                <c:pt idx="173">
+                  <c:v>89.878485108486089</c:v>
+                </c:pt>
+                <c:pt idx="174">
+                  <c:v>89.890041715301805</c:v>
+                </c:pt>
+                <c:pt idx="175">
+                  <c:v>89.90049984535375</c:v>
+                </c:pt>
+                <c:pt idx="176">
+                  <c:v>89.909963800725677</c:v>
+                </c:pt>
+                <c:pt idx="177">
+                  <c:v>89.918527999816703</c:v>
+                </c:pt>
+                <c:pt idx="178">
+                  <c:v>89.926277910302517</c:v>
+                </c:pt>
+                <c:pt idx="179">
+                  <c:v>89.933290894687246</c:v>
+                </c:pt>
+                <c:pt idx="180">
+                  <c:v>89.939636976516027</c:v>
+                </c:pt>
+                <c:pt idx="181">
+                  <c:v>89.945379534594792</c:v>
+                </c:pt>
+                <c:pt idx="182">
+                  <c:v>89.950575931901767</c:v>
+                </c:pt>
+                <c:pt idx="183">
+                  <c:v>89.955278085268915</c:v>
+                </c:pt>
+                <c:pt idx="184">
+                  <c:v>89.959532981358009</c:v>
+                </c:pt>
+                <c:pt idx="185">
+                  <c:v>89.963383143950068</c:v>
+                </c:pt>
+                <c:pt idx="186">
+                  <c:v>89.966867057106583</c:v>
+                </c:pt>
+                <c:pt idx="187">
+                  <c:v>89.970019548340076</c:v>
+                </c:pt>
+                <c:pt idx="188">
+                  <c:v>89.972872135549252</c:v>
+                </c:pt>
+                <c:pt idx="189">
+                  <c:v>89.9754533411257</c:v>
+                </c:pt>
+                <c:pt idx="190">
+                  <c:v>89.977788976322472</c:v>
+                </c:pt>
+                <c:pt idx="191">
+                  <c:v>89.979902398686676</c:v>
+                </c:pt>
+                <c:pt idx="192">
                   <c:v>89.981814745096599</c:v>
                 </c:pt>
-                <c:pt idx="9">
-                  <c:v>89.979902398686676</c:v>
-                </c:pt>
-                <c:pt idx="10">
-                  <c:v>89.977788976322458</c:v>
-                </c:pt>
-                <c:pt idx="11">
-                  <c:v>89.975453341125672</c:v>
-                </c:pt>
-                <c:pt idx="12">
-                  <c:v>89.972872135549252</c:v>
-                </c:pt>
-                <c:pt idx="13">
-                  <c:v>89.97001954834009</c:v>
-                </c:pt>
-                <c:pt idx="14">
-                  <c:v>89.966867057106583</c:v>
-                </c:pt>
-                <c:pt idx="15">
-                  <c:v>89.963383143950068</c:v>
-                </c:pt>
-                <c:pt idx="16">
-                  <c:v>89.959532981357995</c:v>
-                </c:pt>
-                <c:pt idx="17">
-                  <c:v>89.955278085268901</c:v>
-                </c:pt>
-                <c:pt idx="18">
-                  <c:v>89.950575931901739</c:v>
-                </c:pt>
-                <c:pt idx="19">
-                  <c:v>89.945379534594807</c:v>
-                </c:pt>
-                <c:pt idx="20">
-                  <c:v>89.939636976516056</c:v>
-                </c:pt>
-                <c:pt idx="21">
-                  <c:v>89.933290894687232</c:v>
-                </c:pt>
-                <c:pt idx="22">
-                  <c:v>89.926277910302503</c:v>
-                </c:pt>
-                <c:pt idx="23">
-                  <c:v>89.918527999816718</c:v>
-                </c:pt>
-                <c:pt idx="24">
-                  <c:v>89.909963800725691</c:v>
-                </c:pt>
-                <c:pt idx="25">
-                  <c:v>89.90049984535375</c:v>
-                </c:pt>
-                <c:pt idx="26">
-                  <c:v>89.890041715301805</c:v>
-                </c:pt>
-                <c:pt idx="27">
-                  <c:v>89.878485108486103</c:v>
-                </c:pt>
-                <c:pt idx="28">
-                  <c:v>89.865714809909392</c:v>
-                </c:pt>
-                <c:pt idx="29">
-                  <c:v>89.851603556448296</c:v>
-                </c:pt>
-                <c:pt idx="30">
-                  <c:v>89.836010785007886</c:v>
-                </c:pt>
-                <c:pt idx="31">
-                  <c:v>89.818781252384596</c:v>
-                </c:pt>
-                <c:pt idx="32">
-                  <c:v>89.799743514085165</c:v>
-                </c:pt>
-                <c:pt idx="33">
-                  <c:v>89.778708248170076</c:v>
-                </c:pt>
-                <c:pt idx="34">
-                  <c:v>89.7554664089228</c:v>
-                </c:pt>
-                <c:pt idx="35">
-                  <c:v>89.729787193787331</c:v>
-                </c:pt>
-                <c:pt idx="36">
-                  <c:v>89.701415805568601</c:v>
-                </c:pt>
-                <c:pt idx="37">
-                  <c:v>89.670070990351292</c:v>
-                </c:pt>
-                <c:pt idx="38">
-                  <c:v>89.635442329971013</c:v>
-                </c:pt>
-                <c:pt idx="39">
-                  <c:v>89.597187266170252</c:v>
-                </c:pt>
-                <c:pt idx="40">
-                  <c:v>89.554927831805756</c:v>
-                </c:pt>
-                <c:pt idx="41">
-                  <c:v>89.508247062658029</c:v>
-                </c:pt>
-                <c:pt idx="42">
-                  <c:v>89.456685061552506</c:v>
-                </c:pt>
-                <c:pt idx="43">
-                  <c:v>89.399734684665603</c:v>
-                </c:pt>
-                <c:pt idx="44">
-                  <c:v>89.336836818101546</c:v>
-                </c:pt>
-                <c:pt idx="45">
-                  <c:v>89.267375211138713</c:v>
-                </c:pt>
-                <c:pt idx="46">
-                  <c:v>89.190670831030587</c:v>
-                </c:pt>
-                <c:pt idx="47">
-                  <c:v>89.105975702989738</c:v>
-                </c:pt>
-                <c:pt idx="48">
-                  <c:v>89.012466198098906</c:v>
-                </c:pt>
-                <c:pt idx="49">
-                  <c:v>88.90923573151484</c:v>
-                </c:pt>
-                <c:pt idx="50">
-                  <c:v>88.795286833628708</c:v>
-                </c:pt>
-                <c:pt idx="51">
-                  <c:v>88.669522558029257</c:v>
-                </c:pt>
-                <c:pt idx="52">
-                  <c:v>88.530737192431218</c:v>
-                </c:pt>
-                <c:pt idx="53">
-                  <c:v>88.377606242487374</c:v>
-                </c:pt>
-                <c:pt idx="54">
-                  <c:v>88.208675663957237</c:v>
-                </c:pt>
-                <c:pt idx="55">
-                  <c:v>88.022350326493225</c:v>
-                </c:pt>
-                <c:pt idx="56">
-                  <c:v>87.816881702830628</c:v>
-                </c:pt>
-                <c:pt idx="57">
-                  <c:v>87.590354791020317</c:v>
-                </c:pt>
-                <c:pt idx="58">
-                  <c:v>87.340674295210846</c:v>
-                </c:pt>
-                <c:pt idx="59">
-                  <c:v>87.065550113140603</c:v>
-                </c:pt>
-                <c:pt idx="60">
-                  <c:v>86.76248220682352</c:v>
-                </c:pt>
-                <c:pt idx="61">
-                  <c:v>86.42874496786601</c:v>
-                </c:pt>
-                <c:pt idx="62">
-                  <c:v>86.061371231496494</c:v>
-                </c:pt>
-                <c:pt idx="63">
-                  <c:v>85.657136144819503</c:v>
-                </c:pt>
-                <c:pt idx="64">
-                  <c:v>85.212541156164122</c:v>
-                </c:pt>
-                <c:pt idx="65">
-                  <c:v>84.723798464755859</c:v>
-                </c:pt>
-                <c:pt idx="66">
-                  <c:v>84.186816354278903</c:v>
-                </c:pt>
-                <c:pt idx="67">
-                  <c:v>83.597185930925448</c:v>
-                </c:pt>
-                <c:pt idx="68">
-                  <c:v>82.950169896582381</c:v>
-                </c:pt>
-                <c:pt idx="69">
-                  <c:v>82.240694110604451</c:v>
-                </c:pt>
-                <c:pt idx="70">
-                  <c:v>81.463342828037923</c:v>
-                </c:pt>
-                <c:pt idx="71">
-                  <c:v>80.612358645884754</c:v>
-                </c:pt>
-                <c:pt idx="72">
-                  <c:v>79.681648338203573</c:v>
-                </c:pt>
-                <c:pt idx="73">
-                  <c:v>78.664795909740576</c:v>
-                </c:pt>
-                <c:pt idx="74">
-                  <c:v>77.555084338197489</c:v>
-                </c:pt>
-                <c:pt idx="75">
-                  <c:v>76.345527596176055</c:v>
-                </c:pt>
-                <c:pt idx="76">
-                  <c:v>75.028914631093883</c:v>
-                </c:pt>
-                <c:pt idx="77">
-                  <c:v>73.597867017325783</c:v>
-                </c:pt>
-                <c:pt idx="78">
-                  <c:v>72.044911958456581</c:v>
-                </c:pt>
-                <c:pt idx="79">
-                  <c:v>70.362572184789556</c:v>
-                </c:pt>
-                <c:pt idx="80">
-                  <c:v>68.543474036018694</c:v>
-                </c:pt>
-                <c:pt idx="81">
-                  <c:v>66.580474614660218</c:v>
-                </c:pt>
-                <c:pt idx="82">
-                  <c:v>64.466808317912026</c:v>
-                </c:pt>
-                <c:pt idx="83">
-                  <c:v>62.196252284963585</c:v>
-                </c:pt>
-                <c:pt idx="84">
-                  <c:v>59.763309324106203</c:v>
-                </c:pt>
-                <c:pt idx="85">
-                  <c:v>57.163405714855656</c:v>
-                </c:pt>
-                <c:pt idx="86">
-                  <c:v>54.393099940544502</c:v>
-                </c:pt>
-                <c:pt idx="87">
-                  <c:v>51.450296947660313</c:v>
-                </c:pt>
-                <c:pt idx="88">
-                  <c:v>48.33446102982294</c:v>
-                </c:pt>
-                <c:pt idx="89">
-                  <c:v>45.046819007120902</c:v>
-                </c:pt>
-                <c:pt idx="90">
-                  <c:v>41.590544153400621</c:v>
-                </c:pt>
-                <c:pt idx="91">
-                  <c:v>37.970910472500442</c:v>
-                </c:pt>
-                <c:pt idx="92">
-                  <c:v>34.195406602969953</c:v>
-                </c:pt>
-                <c:pt idx="93">
-                  <c:v>30.273798990269608</c:v>
-                </c:pt>
-                <c:pt idx="94">
-                  <c:v>26.21813512064287</c:v>
-                </c:pt>
-                <c:pt idx="95">
-                  <c:v>22.042679616333487</c:v>
-                </c:pt>
-                <c:pt idx="96">
-                  <c:v>17.763778820241022</c:v>
-                </c:pt>
-                <c:pt idx="97">
-                  <c:v>13.399653026098285</c:v>
-                </c:pt>
-                <c:pt idx="98">
-                  <c:v>8.9701195162456919</c:v>
-                </c:pt>
-                <c:pt idx="99">
-                  <c:v>4.496253746208863</c:v>
-                </c:pt>
-                <c:pt idx="100">
-                  <c:v>-3.397282455352979E-13</c:v>
-                </c:pt>
-                <c:pt idx="101">
-                  <c:v>-4.496253746209522</c:v>
-                </c:pt>
-                <c:pt idx="102">
-                  <c:v>-8.9701195162463616</c:v>
-                </c:pt>
-                <c:pt idx="103">
-                  <c:v>-13.399653026098955</c:v>
-                </c:pt>
-                <c:pt idx="104">
-                  <c:v>-17.763778820241701</c:v>
-                </c:pt>
-                <c:pt idx="105">
-                  <c:v>-22.042679616334148</c:v>
-                </c:pt>
-                <c:pt idx="106">
-                  <c:v>-26.218135120643492</c:v>
-                </c:pt>
-                <c:pt idx="107">
-                  <c:v>-30.273798990270198</c:v>
-                </c:pt>
-                <c:pt idx="108">
-                  <c:v>-34.195406602970529</c:v>
-                </c:pt>
-                <c:pt idx="109">
-                  <c:v>-37.970910472500989</c:v>
-                </c:pt>
-                <c:pt idx="110">
-                  <c:v>-41.59054415340114</c:v>
-                </c:pt>
-                <c:pt idx="111">
-                  <c:v>-45.046819007121421</c:v>
-                </c:pt>
-                <c:pt idx="112">
-                  <c:v>-48.334461029823416</c:v>
-                </c:pt>
-                <c:pt idx="113">
-                  <c:v>-51.450296947660767</c:v>
-                </c:pt>
-                <c:pt idx="114">
-                  <c:v>-54.393099940544921</c:v>
-                </c:pt>
-                <c:pt idx="115">
-                  <c:v>-57.163405714856054</c:v>
-                </c:pt>
-                <c:pt idx="116">
-                  <c:v>-59.763309324106601</c:v>
-                </c:pt>
-                <c:pt idx="117">
-                  <c:v>-62.196252284963933</c:v>
-                </c:pt>
-                <c:pt idx="118">
-                  <c:v>-64.466808317912367</c:v>
-                </c:pt>
-                <c:pt idx="119">
-                  <c:v>-66.580474614660545</c:v>
-                </c:pt>
-                <c:pt idx="120">
-                  <c:v>-68.543474036018992</c:v>
-                </c:pt>
-                <c:pt idx="121">
-                  <c:v>-70.362572184789812</c:v>
-                </c:pt>
-                <c:pt idx="122">
-                  <c:v>-72.044911958456808</c:v>
-                </c:pt>
-                <c:pt idx="123">
-                  <c:v>-73.597867017326024</c:v>
-                </c:pt>
-                <c:pt idx="124">
-                  <c:v>-75.028914631094082</c:v>
-                </c:pt>
-                <c:pt idx="125">
-                  <c:v>-76.345527596176268</c:v>
-                </c:pt>
-                <c:pt idx="126">
-                  <c:v>-77.555084338197673</c:v>
-                </c:pt>
-                <c:pt idx="127">
-                  <c:v>-78.664795909740732</c:v>
-                </c:pt>
-                <c:pt idx="128">
-                  <c:v>-79.681648338203701</c:v>
-                </c:pt>
-                <c:pt idx="129">
-                  <c:v>-80.612358645884882</c:v>
-                </c:pt>
-                <c:pt idx="130">
-                  <c:v>-81.463342828038051</c:v>
-                </c:pt>
-                <c:pt idx="131">
-                  <c:v>-82.240694110604565</c:v>
-                </c:pt>
-                <c:pt idx="132">
-                  <c:v>-82.95016989658248</c:v>
-                </c:pt>
-                <c:pt idx="133">
-                  <c:v>-83.597185930925548</c:v>
-                </c:pt>
-                <c:pt idx="134">
-                  <c:v>-84.18681635427896</c:v>
-                </c:pt>
-                <c:pt idx="135">
-                  <c:v>-84.723798464755916</c:v>
-                </c:pt>
-                <c:pt idx="136">
-                  <c:v>-85.212541156164193</c:v>
-                </c:pt>
-                <c:pt idx="137">
-                  <c:v>-85.657136144819589</c:v>
-                </c:pt>
-                <c:pt idx="138">
-                  <c:v>-86.061371231496551</c:v>
-                </c:pt>
-                <c:pt idx="139">
-                  <c:v>-86.428744967866081</c:v>
-                </c:pt>
-                <c:pt idx="140">
-                  <c:v>-86.762482206823549</c:v>
-                </c:pt>
-                <c:pt idx="141">
-                  <c:v>-87.06555011314066</c:v>
-                </c:pt>
-                <c:pt idx="142">
-                  <c:v>-87.340674295210874</c:v>
-                </c:pt>
-                <c:pt idx="143">
-                  <c:v>-87.59035479102036</c:v>
-                </c:pt>
-                <c:pt idx="144">
-                  <c:v>-87.816881702830656</c:v>
-                </c:pt>
-                <c:pt idx="145">
-                  <c:v>-88.022350326493239</c:v>
-                </c:pt>
-                <c:pt idx="146">
-                  <c:v>-88.208675663957251</c:v>
-                </c:pt>
-                <c:pt idx="147">
-                  <c:v>-88.377606242487417</c:v>
-                </c:pt>
-                <c:pt idx="148">
-                  <c:v>-88.530737192431232</c:v>
-                </c:pt>
-                <c:pt idx="149">
-                  <c:v>-88.669522558029257</c:v>
-                </c:pt>
-                <c:pt idx="150">
-                  <c:v>-88.795286833628737</c:v>
-                </c:pt>
-                <c:pt idx="151">
-                  <c:v>-88.909235731514869</c:v>
-                </c:pt>
-                <c:pt idx="152">
-                  <c:v>-89.012466198098934</c:v>
-                </c:pt>
-                <c:pt idx="153">
-                  <c:v>-89.105975702989753</c:v>
-                </c:pt>
-                <c:pt idx="154">
-                  <c:v>-89.190670831030587</c:v>
-                </c:pt>
-                <c:pt idx="155">
-                  <c:v>-89.267375211138699</c:v>
-                </c:pt>
-                <c:pt idx="156">
-                  <c:v>-89.336836818101531</c:v>
-                </c:pt>
-                <c:pt idx="157">
-                  <c:v>-89.399734684665603</c:v>
-                </c:pt>
-                <c:pt idx="158">
-                  <c:v>-89.456685061552491</c:v>
-                </c:pt>
-                <c:pt idx="159">
-                  <c:v>-89.508247062658015</c:v>
-                </c:pt>
-                <c:pt idx="160">
-                  <c:v>-89.554927831805742</c:v>
-                </c:pt>
-                <c:pt idx="161">
-                  <c:v>-89.597187266170266</c:v>
-                </c:pt>
-                <c:pt idx="162">
-                  <c:v>-89.635442329971028</c:v>
-                </c:pt>
-                <c:pt idx="163">
-                  <c:v>-89.670070990351306</c:v>
-                </c:pt>
-                <c:pt idx="164">
-                  <c:v>-89.701415805568601</c:v>
-                </c:pt>
-                <c:pt idx="165">
-                  <c:v>-89.729787193787345</c:v>
-                </c:pt>
-                <c:pt idx="166">
-                  <c:v>-89.755466408922786</c:v>
-                </c:pt>
-                <c:pt idx="167">
-                  <c:v>-89.778708248170062</c:v>
-                </c:pt>
-                <c:pt idx="168">
-                  <c:v>-89.799743514085137</c:v>
-                </c:pt>
-                <c:pt idx="169">
-                  <c:v>-89.818781252384596</c:v>
-                </c:pt>
-                <c:pt idx="170">
-                  <c:v>-89.836010785007886</c:v>
-                </c:pt>
-                <c:pt idx="171">
-                  <c:v>-89.85160355644831</c:v>
-                </c:pt>
-                <c:pt idx="172">
-                  <c:v>-89.865714809909392</c:v>
-                </c:pt>
-                <c:pt idx="173">
-                  <c:v>-89.878485108486089</c:v>
-                </c:pt>
-                <c:pt idx="174">
-                  <c:v>-89.890041715301805</c:v>
-                </c:pt>
-                <c:pt idx="175">
-                  <c:v>-89.90049984535375</c:v>
-                </c:pt>
-                <c:pt idx="176">
-                  <c:v>-89.909963800725677</c:v>
-                </c:pt>
-                <c:pt idx="177">
-                  <c:v>-89.918527999816703</c:v>
-                </c:pt>
-                <c:pt idx="178">
-                  <c:v>-89.926277910302517</c:v>
-                </c:pt>
-                <c:pt idx="179">
-                  <c:v>-89.933290894687246</c:v>
-                </c:pt>
-                <c:pt idx="180">
-                  <c:v>-89.939636976516027</c:v>
-                </c:pt>
-                <c:pt idx="181">
-                  <c:v>-89.945379534594792</c:v>
-                </c:pt>
-                <c:pt idx="182">
-                  <c:v>-89.950575931901767</c:v>
-                </c:pt>
-                <c:pt idx="183">
-                  <c:v>-89.955278085268915</c:v>
-                </c:pt>
-                <c:pt idx="184">
-                  <c:v>-89.959532981358009</c:v>
-                </c:pt>
-                <c:pt idx="185">
-                  <c:v>-89.963383143950068</c:v>
-                </c:pt>
-                <c:pt idx="186">
-                  <c:v>-89.966867057106583</c:v>
-                </c:pt>
-                <c:pt idx="187">
-                  <c:v>-89.970019548340076</c:v>
-                </c:pt>
-                <c:pt idx="188">
-                  <c:v>-89.972872135549252</c:v>
-                </c:pt>
-                <c:pt idx="189">
-                  <c:v>-89.9754533411257</c:v>
-                </c:pt>
-                <c:pt idx="190">
-                  <c:v>-89.977788976322472</c:v>
-                </c:pt>
-                <c:pt idx="191">
-                  <c:v>-89.979902398686676</c:v>
-                </c:pt>
-                <c:pt idx="192">
-                  <c:v>-89.981814745096599</c:v>
-                </c:pt>
                 <c:pt idx="193">
-                  <c:v>-89.983545142706618</c:v>
+                  <c:v>89.983545142706618</c:v>
                 </c:pt>
                 <c:pt idx="194">
-                  <c:v>-89.985110899886692</c:v>
+                  <c:v>89.985110899886692</c:v>
                 </c:pt>
                 <c:pt idx="195">
-                  <c:v>-89.986527679048095</c:v>
+                  <c:v>89.986527679048095</c:v>
                 </c:pt>
                 <c:pt idx="196">
-                  <c:v>-89.987809653068439</c:v>
+                  <c:v>89.987809653068439</c:v>
                 </c:pt>
                 <c:pt idx="197">
-                  <c:v>-89.988969646869009</c:v>
+                  <c:v>89.988969646869009</c:v>
                 </c:pt>
                 <c:pt idx="198">
-                  <c:v>-89.990019265549904</c:v>
+                  <c:v>89.990019265549904</c:v>
                 </c:pt>
                 <c:pt idx="199">
-                  <c:v>-89.99096901035692</c:v>
+                  <c:v>89.99096901035692</c:v>
                 </c:pt>
                 <c:pt idx="200">
-                  <c:v>-89.99182838363356</c:v>
+                  <c:v>89.99182838363356</c:v>
                 </c:pt>
               </c:numCache>
             </c:numRef>
@@ -762,7 +762,7 @@
           <c:smooth val="0"/>
           <c:extLst>
             <c:ext xmlns:c16="http://schemas.microsoft.com/office/drawing/2014/chart" uri="{C3380CC4-5D6E-409C-BE32-E72D297353CC}">
-              <c16:uniqueId val="{00000000-2BA4-425B-ADA6-A692E20E77B9}"/>
+              <c16:uniqueId val="{00000000-BF48-4524-AB5C-F5E2985D7C8A}"/>
             </c:ext>
           </c:extLst>
         </c:ser>
@@ -1592,7 +1592,7 @@
           <a:p>
             <a:fld id="{D86E6A5D-0A44-48FB-AC17-40D5FE6D3AAE}" type="datetimeFigureOut">
               <a:rPr lang="de-DE" smtClean="0"/>
-              <a:t>27.10.2018</a:t>
+              <a:t>28.10.2018</a:t>
             </a:fld>
             <a:endParaRPr lang="de-DE"/>
           </a:p>
@@ -1790,7 +1790,7 @@
           <a:p>
             <a:fld id="{D86E6A5D-0A44-48FB-AC17-40D5FE6D3AAE}" type="datetimeFigureOut">
               <a:rPr lang="de-DE" smtClean="0"/>
-              <a:t>27.10.2018</a:t>
+              <a:t>28.10.2018</a:t>
             </a:fld>
             <a:endParaRPr lang="de-DE"/>
           </a:p>
@@ -1998,7 +1998,7 @@
           <a:p>
             <a:fld id="{D86E6A5D-0A44-48FB-AC17-40D5FE6D3AAE}" type="datetimeFigureOut">
               <a:rPr lang="de-DE" smtClean="0"/>
-              <a:t>27.10.2018</a:t>
+              <a:t>28.10.2018</a:t>
             </a:fld>
             <a:endParaRPr lang="de-DE"/>
           </a:p>
@@ -2196,7 +2196,7 @@
           <a:p>
             <a:fld id="{D86E6A5D-0A44-48FB-AC17-40D5FE6D3AAE}" type="datetimeFigureOut">
               <a:rPr lang="de-DE" smtClean="0"/>
-              <a:t>27.10.2018</a:t>
+              <a:t>28.10.2018</a:t>
             </a:fld>
             <a:endParaRPr lang="de-DE"/>
           </a:p>
@@ -2471,7 +2471,7 @@
           <a:p>
             <a:fld id="{D86E6A5D-0A44-48FB-AC17-40D5FE6D3AAE}" type="datetimeFigureOut">
               <a:rPr lang="de-DE" smtClean="0"/>
-              <a:t>27.10.2018</a:t>
+              <a:t>28.10.2018</a:t>
             </a:fld>
             <a:endParaRPr lang="de-DE"/>
           </a:p>
@@ -2736,7 +2736,7 @@
           <a:p>
             <a:fld id="{D86E6A5D-0A44-48FB-AC17-40D5FE6D3AAE}" type="datetimeFigureOut">
               <a:rPr lang="de-DE" smtClean="0"/>
-              <a:t>27.10.2018</a:t>
+              <a:t>28.10.2018</a:t>
             </a:fld>
             <a:endParaRPr lang="de-DE"/>
           </a:p>
@@ -3148,7 +3148,7 @@
           <a:p>
             <a:fld id="{D86E6A5D-0A44-48FB-AC17-40D5FE6D3AAE}" type="datetimeFigureOut">
               <a:rPr lang="de-DE" smtClean="0"/>
-              <a:t>27.10.2018</a:t>
+              <a:t>28.10.2018</a:t>
             </a:fld>
             <a:endParaRPr lang="de-DE"/>
           </a:p>
@@ -3289,7 +3289,7 @@
           <a:p>
             <a:fld id="{D86E6A5D-0A44-48FB-AC17-40D5FE6D3AAE}" type="datetimeFigureOut">
               <a:rPr lang="de-DE" smtClean="0"/>
-              <a:t>27.10.2018</a:t>
+              <a:t>28.10.2018</a:t>
             </a:fld>
             <a:endParaRPr lang="de-DE"/>
           </a:p>
@@ -3402,7 +3402,7 @@
           <a:p>
             <a:fld id="{D86E6A5D-0A44-48FB-AC17-40D5FE6D3AAE}" type="datetimeFigureOut">
               <a:rPr lang="de-DE" smtClean="0"/>
-              <a:t>27.10.2018</a:t>
+              <a:t>28.10.2018</a:t>
             </a:fld>
             <a:endParaRPr lang="de-DE"/>
           </a:p>
@@ -3713,7 +3713,7 @@
           <a:p>
             <a:fld id="{D86E6A5D-0A44-48FB-AC17-40D5FE6D3AAE}" type="datetimeFigureOut">
               <a:rPr lang="de-DE" smtClean="0"/>
-              <a:t>27.10.2018</a:t>
+              <a:t>28.10.2018</a:t>
             </a:fld>
             <a:endParaRPr lang="de-DE"/>
           </a:p>
@@ -4001,7 +4001,7 @@
           <a:p>
             <a:fld id="{D86E6A5D-0A44-48FB-AC17-40D5FE6D3AAE}" type="datetimeFigureOut">
               <a:rPr lang="de-DE" smtClean="0"/>
-              <a:t>27.10.2018</a:t>
+              <a:t>28.10.2018</a:t>
             </a:fld>
             <a:endParaRPr lang="de-DE"/>
           </a:p>
@@ -4242,7 +4242,7 @@
           <a:p>
             <a:fld id="{D86E6A5D-0A44-48FB-AC17-40D5FE6D3AAE}" type="datetimeFigureOut">
               <a:rPr lang="de-DE" smtClean="0"/>
-              <a:t>27.10.2018</a:t>
+              <a:t>28.10.2018</a:t>
             </a:fld>
             <a:endParaRPr lang="de-DE"/>
           </a:p>
@@ -5973,36 +5973,6 @@
           </p:txBody>
         </p:sp>
       </p:grpSp>
-      <p:graphicFrame>
-        <p:nvGraphicFramePr>
-          <p:cNvPr id="63" name="Diagramm 62">
-            <a:extLst>
-              <a:ext uri="{FF2B5EF4-FFF2-40B4-BE49-F238E27FC236}">
-                <a16:creationId xmlns:a16="http://schemas.microsoft.com/office/drawing/2014/main" id="{75720492-A8D3-439A-8C3B-5C91C7101A1A}"/>
-              </a:ext>
-            </a:extLst>
-          </p:cNvPr>
-          <p:cNvGraphicFramePr>
-            <a:graphicFrameLocks/>
-          </p:cNvGraphicFramePr>
-          <p:nvPr>
-            <p:extLst>
-              <p:ext uri="{D42A27DB-BD31-4B8C-83A1-F6EECF244321}">
-                <p14:modId xmlns:p14="http://schemas.microsoft.com/office/powerpoint/2010/main" val="1604768225"/>
-              </p:ext>
-            </p:extLst>
-          </p:nvPr>
-        </p:nvGraphicFramePr>
-        <p:xfrm>
-          <a:off x="546796" y="3591463"/>
-          <a:ext cx="4572000" cy="2743200"/>
-        </p:xfrm>
-        <a:graphic>
-          <a:graphicData uri="http://schemas.openxmlformats.org/drawingml/2006/chart">
-            <c:chart xmlns:c="http://schemas.openxmlformats.org/drawingml/2006/chart" xmlns:r="http://schemas.openxmlformats.org/officeDocument/2006/relationships" r:id="rId2"/>
-          </a:graphicData>
-        </a:graphic>
-      </p:graphicFrame>
       <p:cxnSp>
         <p:nvCxnSpPr>
           <p:cNvPr id="67" name="Gerader Verbinder 66">
@@ -7514,6 +7484,36 @@
           </a:p>
         </p:txBody>
       </p:sp>
+      <p:graphicFrame>
+        <p:nvGraphicFramePr>
+          <p:cNvPr id="97" name="Diagramm 96">
+            <a:extLst>
+              <a:ext uri="{FF2B5EF4-FFF2-40B4-BE49-F238E27FC236}">
+                <a16:creationId xmlns:a16="http://schemas.microsoft.com/office/drawing/2014/main" id="{75720492-A8D3-439A-8C3B-5C91C7101A1A}"/>
+              </a:ext>
+            </a:extLst>
+          </p:cNvPr>
+          <p:cNvGraphicFramePr>
+            <a:graphicFrameLocks/>
+          </p:cNvGraphicFramePr>
+          <p:nvPr>
+            <p:extLst>
+              <p:ext uri="{D42A27DB-BD31-4B8C-83A1-F6EECF244321}">
+                <p14:modId xmlns:p14="http://schemas.microsoft.com/office/powerpoint/2010/main" val="4091528442"/>
+              </p:ext>
+            </p:extLst>
+          </p:nvPr>
+        </p:nvGraphicFramePr>
+        <p:xfrm>
+          <a:off x="572512" y="3575331"/>
+          <a:ext cx="4572000" cy="2743200"/>
+        </p:xfrm>
+        <a:graphic>
+          <a:graphicData uri="http://schemas.openxmlformats.org/drawingml/2006/chart">
+            <c:chart xmlns:c="http://schemas.openxmlformats.org/drawingml/2006/chart" xmlns:r="http://schemas.openxmlformats.org/officeDocument/2006/relationships" r:id="rId2"/>
+          </a:graphicData>
+        </a:graphic>
+      </p:graphicFrame>
     </p:spTree>
     <p:extLst>
       <p:ext uri="{BB962C8B-B14F-4D97-AF65-F5344CB8AC3E}">

--- a/docs/documentation.pptx
+++ b/docs/documentation.pptx
@@ -7224,9 +7224,9 @@
           <p:nvPr/>
         </p:nvCxnSpPr>
         <p:spPr>
-          <a:xfrm flipH="1">
-            <a:off x="1318324" y="1891716"/>
-            <a:ext cx="486297" cy="1"/>
+          <a:xfrm flipH="1" flipV="1">
+            <a:off x="1428109" y="1888250"/>
+            <a:ext cx="376513" cy="3466"/>
           </a:xfrm>
           <a:prstGeom prst="straightConnector1">
             <a:avLst/>
@@ -7311,7 +7311,7 @@
         </p:nvSpPr>
         <p:spPr>
           <a:xfrm>
-            <a:off x="1332299" y="1771636"/>
+            <a:off x="1344999" y="1771636"/>
             <a:ext cx="288862" cy="369332"/>
           </a:xfrm>
           <a:prstGeom prst="rect">
@@ -7514,6 +7514,41 @@
           </a:graphicData>
         </a:graphic>
       </p:graphicFrame>
+      <p:sp>
+        <p:nvSpPr>
+          <p:cNvPr id="98" name="Textfeld 97">
+            <a:extLst>
+              <a:ext uri="{FF2B5EF4-FFF2-40B4-BE49-F238E27FC236}">
+                <a16:creationId xmlns:a16="http://schemas.microsoft.com/office/drawing/2014/main" id="{B251B0AA-8C16-465D-9DB0-7629858348BC}"/>
+              </a:ext>
+            </a:extLst>
+          </p:cNvPr>
+          <p:cNvSpPr txBox="1"/>
+          <p:nvPr/>
+        </p:nvSpPr>
+        <p:spPr>
+          <a:xfrm>
+            <a:off x="1675434" y="1786826"/>
+            <a:ext cx="276038" cy="369332"/>
+          </a:xfrm>
+          <a:prstGeom prst="rect">
+            <a:avLst/>
+          </a:prstGeom>
+          <a:noFill/>
+        </p:spPr>
+        <p:txBody>
+          <a:bodyPr wrap="none" rtlCol="0">
+            <a:spAutoFit/>
+          </a:bodyPr>
+          <a:lstStyle/>
+          <a:p>
+            <a:r>
+              <a:rPr lang="de-DE" dirty="0"/>
+              <a:t>z</a:t>
+            </a:r>
+          </a:p>
+        </p:txBody>
+      </p:sp>
     </p:spTree>
     <p:extLst>
       <p:ext uri="{BB962C8B-B14F-4D97-AF65-F5344CB8AC3E}">
